--- a/Presentation_final.pptx
+++ b/Presentation_final.pptx
@@ -6,7 +6,7 @@
     <p:sldMasterId id="2147483784" r:id="rId2"/>
   </p:sldMasterIdLst>
   <p:notesMasterIdLst>
-    <p:notesMasterId r:id="rId24"/>
+    <p:notesMasterId r:id="rId30"/>
   </p:notesMasterIdLst>
   <p:sldIdLst>
     <p:sldId id="256" r:id="rId3"/>
@@ -23,13 +23,19 @@
     <p:sldId id="323" r:id="rId14"/>
     <p:sldId id="305" r:id="rId15"/>
     <p:sldId id="321" r:id="rId16"/>
-    <p:sldId id="301" r:id="rId17"/>
-    <p:sldId id="309" r:id="rId18"/>
-    <p:sldId id="312" r:id="rId19"/>
-    <p:sldId id="314" r:id="rId20"/>
-    <p:sldId id="272" r:id="rId21"/>
-    <p:sldId id="274" r:id="rId22"/>
-    <p:sldId id="320" r:id="rId23"/>
+    <p:sldId id="324" r:id="rId17"/>
+    <p:sldId id="325" r:id="rId18"/>
+    <p:sldId id="326" r:id="rId19"/>
+    <p:sldId id="329" r:id="rId20"/>
+    <p:sldId id="327" r:id="rId21"/>
+    <p:sldId id="328" r:id="rId22"/>
+    <p:sldId id="301" r:id="rId23"/>
+    <p:sldId id="309" r:id="rId24"/>
+    <p:sldId id="312" r:id="rId25"/>
+    <p:sldId id="314" r:id="rId26"/>
+    <p:sldId id="272" r:id="rId27"/>
+    <p:sldId id="274" r:id="rId28"/>
+    <p:sldId id="320" r:id="rId29"/>
   </p:sldIdLst>
   <p:sldSz cx="9144000" cy="6858000" type="screen4x3"/>
   <p:notesSz cx="6858000" cy="9144000"/>
@@ -6471,7 +6477,7 @@
           <a:p>
             <a:pPr algn="ctr"/>
             <a:r>
-              <a:rPr lang="en-US" dirty="0" err="1" smtClean="0"/>
+              <a:rPr lang="en-US" dirty="0" smtClean="0"/>
               <a:t>Single_test</a:t>
             </a:r>
             <a:endParaRPr lang="en-US" dirty="0"/>
@@ -6955,7 +6961,7 @@
         <p:spPr>
           <a:xfrm>
             <a:off x="914400" y="4724400"/>
-            <a:ext cx="7467600" cy="584775"/>
+            <a:ext cx="7467600" cy="830997"/>
           </a:xfrm>
           <a:prstGeom prst="rect">
             <a:avLst/>
@@ -6973,7 +6979,21 @@
                 <a:latin typeface="Arial" pitchFamily="34" charset="0"/>
                 <a:cs typeface="Arial" pitchFamily="34" charset="0"/>
               </a:rPr>
-              <a:t>Based on the number of errors in the log file, the log files are stored accordingly in the passed or failed directory </a:t>
+              <a:t>Based on the number of errors in the log file, the log files are stored accordingly in the passed or failed directory. Here the </a:t>
+            </a:r>
+            <a:r>
+              <a:rPr lang="en-US" sz="1600" dirty="0" err="1" smtClean="0">
+                <a:latin typeface="Arial" pitchFamily="34" charset="0"/>
+                <a:cs typeface="Arial" pitchFamily="34" charset="0"/>
+              </a:rPr>
+              <a:t>reglist</a:t>
+            </a:r>
+            <a:r>
+              <a:rPr lang="en-US" sz="1600" dirty="0" smtClean="0">
+                <a:latin typeface="Arial" pitchFamily="34" charset="0"/>
+                <a:cs typeface="Arial" pitchFamily="34" charset="0"/>
+              </a:rPr>
+              <a:t> folder is created but the log files were not moved.</a:t>
             </a:r>
             <a:endParaRPr lang="en-US" sz="1600" dirty="0">
               <a:latin typeface="Arial" pitchFamily="34" charset="0"/>
@@ -7101,6 +7121,13 @@
   <p:clrMapOvr>
     <a:masterClrMapping/>
   </p:clrMapOvr>
+  <p:timing>
+    <p:tnLst>
+      <p:par>
+        <p:cTn id="1" dur="indefinite" restart="never" nodeType="tmRoot"/>
+      </p:par>
+    </p:tnLst>
+  </p:timing>
 </p:sld>
 </file>
 
@@ -7121,6 +7148,48 @@
           <a:chExt cx="0" cy="0"/>
         </a:xfrm>
       </p:grpSpPr>
+      <p:sp>
+        <p:nvSpPr>
+          <p:cNvPr id="21" name="Title 20"/>
+          <p:cNvSpPr>
+            <a:spLocks noGrp="1"/>
+          </p:cNvSpPr>
+          <p:nvPr>
+            <p:ph type="ctrTitle"/>
+          </p:nvPr>
+        </p:nvSpPr>
+        <p:spPr/>
+        <p:txBody>
+          <a:bodyPr/>
+          <a:lstStyle/>
+          <a:p>
+            <a:r>
+              <a:rPr lang="en-US" dirty="0" smtClean="0"/>
+              <a:t>WORK DONE BY ME</a:t>
+            </a:r>
+            <a:endParaRPr lang="en-US" dirty="0"/>
+          </a:p>
+        </p:txBody>
+      </p:sp>
+      <p:sp>
+        <p:nvSpPr>
+          <p:cNvPr id="22" name="Subtitle 21"/>
+          <p:cNvSpPr>
+            <a:spLocks noGrp="1"/>
+          </p:cNvSpPr>
+          <p:nvPr>
+            <p:ph type="subTitle" idx="1"/>
+          </p:nvPr>
+        </p:nvSpPr>
+        <p:spPr/>
+        <p:txBody>
+          <a:bodyPr/>
+          <a:lstStyle/>
+          <a:p>
+            <a:endParaRPr lang="en-US"/>
+          </a:p>
+        </p:txBody>
+      </p:sp>
     </p:spTree>
   </p:cSld>
   <p:clrMapOvr>
@@ -7161,7 +7230,7 @@
         </p:nvSpPr>
         <p:spPr>
           <a:xfrm>
-            <a:off x="3581400" y="1219200"/>
+            <a:off x="3581400" y="1981200"/>
             <a:ext cx="1981200" cy="533400"/>
           </a:xfrm>
           <a:prstGeom prst="rect">
@@ -7221,7 +7290,7 @@
         </p:nvSpPr>
         <p:spPr>
           <a:xfrm>
-            <a:off x="1066800" y="2362200"/>
+            <a:off x="1066800" y="3124200"/>
             <a:ext cx="1447800" cy="533400"/>
           </a:xfrm>
           <a:prstGeom prst="rect">
@@ -7276,7 +7345,7 @@
         </p:nvSpPr>
         <p:spPr>
           <a:xfrm>
-            <a:off x="3848100" y="2362200"/>
+            <a:off x="3848100" y="3124200"/>
             <a:ext cx="1447800" cy="533400"/>
           </a:xfrm>
           <a:prstGeom prst="rect">
@@ -7331,7 +7400,7 @@
         </p:nvSpPr>
         <p:spPr>
           <a:xfrm>
-            <a:off x="6477000" y="2362200"/>
+            <a:off x="6477000" y="3124200"/>
             <a:ext cx="1447800" cy="533400"/>
           </a:xfrm>
           <a:prstGeom prst="rect">
@@ -7391,7 +7460,7 @@
         </p:nvSpPr>
         <p:spPr>
           <a:xfrm>
-            <a:off x="152400" y="3810000"/>
+            <a:off x="152400" y="4572000"/>
             <a:ext cx="1447800" cy="533400"/>
           </a:xfrm>
           <a:prstGeom prst="rect">
@@ -7446,7 +7515,7 @@
         </p:nvSpPr>
         <p:spPr>
           <a:xfrm>
-            <a:off x="1981200" y="3810000"/>
+            <a:off x="1981200" y="4572000"/>
             <a:ext cx="1447800" cy="533400"/>
           </a:xfrm>
           <a:prstGeom prst="rect">
@@ -7501,7 +7570,7 @@
         </p:nvSpPr>
         <p:spPr>
           <a:xfrm>
-            <a:off x="3848100" y="3810000"/>
+            <a:off x="3848100" y="4572000"/>
             <a:ext cx="1447800" cy="533400"/>
           </a:xfrm>
           <a:prstGeom prst="rect">
@@ -7556,7 +7625,7 @@
         </p:nvSpPr>
         <p:spPr>
           <a:xfrm>
-            <a:off x="5638800" y="3810000"/>
+            <a:off x="5638800" y="4572000"/>
             <a:ext cx="1447800" cy="533400"/>
           </a:xfrm>
           <a:prstGeom prst="rect">
@@ -7611,7 +7680,7 @@
         </p:nvSpPr>
         <p:spPr>
           <a:xfrm>
-            <a:off x="7543800" y="3810000"/>
+            <a:off x="7543800" y="4572000"/>
             <a:ext cx="1447800" cy="533400"/>
           </a:xfrm>
           <a:prstGeom prst="rect">
@@ -7669,7 +7738,7 @@
         </p:nvCxnSpPr>
         <p:spPr>
           <a:xfrm>
-            <a:off x="4572000" y="1752600"/>
+            <a:off x="4572000" y="2514600"/>
             <a:ext cx="0" cy="609600"/>
           </a:xfrm>
           <a:prstGeom prst="straightConnector1">
@@ -7705,7 +7774,7 @@
         </p:nvCxnSpPr>
         <p:spPr>
           <a:xfrm>
-            <a:off x="4572000" y="2895600"/>
+            <a:off x="4572000" y="3657600"/>
             <a:ext cx="0" cy="914400"/>
           </a:xfrm>
           <a:prstGeom prst="straightConnector1">
@@ -7730,21 +7799,54 @@
           </a:fontRef>
         </p:style>
       </p:cxnSp>
+      <p:sp>
+        <p:nvSpPr>
+          <p:cNvPr id="73" name="TextBox 72"/>
+          <p:cNvSpPr txBox="1"/>
+          <p:nvPr/>
+        </p:nvSpPr>
+        <p:spPr>
+          <a:xfrm>
+            <a:off x="2438400" y="457200"/>
+            <a:ext cx="5867400" cy="369332"/>
+          </a:xfrm>
+          <a:prstGeom prst="rect">
+            <a:avLst/>
+          </a:prstGeom>
+          <a:noFill/>
+        </p:spPr>
+        <p:txBody>
+          <a:bodyPr wrap="square" rtlCol="0">
+            <a:spAutoFit/>
+          </a:bodyPr>
+          <a:lstStyle/>
+          <a:p>
+            <a:r>
+              <a:rPr lang="en-US" dirty="0" smtClean="0"/>
+              <a:t>DIRECTORY STRUCTURE</a:t>
+            </a:r>
+            <a:endParaRPr lang="en-US" dirty="0"/>
+          </a:p>
+        </p:txBody>
+      </p:sp>
       <p:cxnSp>
         <p:nvCxnSpPr>
-          <p:cNvPr id="47" name="Shape 46"/>
+          <p:cNvPr id="75" name="Elbow Connector 74"/>
           <p:cNvCxnSpPr>
+            <a:stCxn id="7" idx="2"/>
             <a:endCxn id="9" idx="0"/>
           </p:cNvCxnSpPr>
           <p:nvPr/>
         </p:nvCxnSpPr>
         <p:spPr>
-          <a:xfrm rot="10800000" flipV="1">
-            <a:off x="1790700" y="2057400"/>
-            <a:ext cx="3238500" cy="304800"/>
+          <a:xfrm rot="5400000">
+            <a:off x="2876550" y="1428750"/>
+            <a:ext cx="609600" cy="2781300"/>
           </a:xfrm>
-          <a:prstGeom prst="bentConnector2">
-            <a:avLst/>
+          <a:prstGeom prst="bentConnector3">
+            <a:avLst>
+              <a:gd name="adj1" fmla="val 50000"/>
+            </a:avLst>
           </a:prstGeom>
           <a:ln>
             <a:tailEnd type="arrow"/>
@@ -7767,19 +7869,22 @@
       </p:cxnSp>
       <p:cxnSp>
         <p:nvCxnSpPr>
-          <p:cNvPr id="49" name="Shape 48"/>
+          <p:cNvPr id="77" name="Elbow Connector 76"/>
           <p:cNvCxnSpPr>
+            <a:stCxn id="7" idx="2"/>
             <a:endCxn id="12" idx="0"/>
           </p:cNvCxnSpPr>
           <p:nvPr/>
         </p:nvCxnSpPr>
         <p:spPr>
-          <a:xfrm>
-            <a:off x="4419600" y="2057400"/>
-            <a:ext cx="2781300" cy="304800"/>
+          <a:xfrm rot="16200000" flipH="1">
+            <a:off x="5581650" y="1504950"/>
+            <a:ext cx="609600" cy="2628900"/>
           </a:xfrm>
-          <a:prstGeom prst="bentConnector2">
-            <a:avLst/>
+          <a:prstGeom prst="bentConnector3">
+            <a:avLst>
+              <a:gd name="adj1" fmla="val 50000"/>
+            </a:avLst>
           </a:prstGeom>
           <a:ln>
             <a:tailEnd type="arrow"/>
@@ -7802,19 +7907,22 @@
       </p:cxnSp>
       <p:cxnSp>
         <p:nvCxnSpPr>
-          <p:cNvPr id="54" name="Shape 53"/>
+          <p:cNvPr id="79" name="Elbow Connector 78"/>
           <p:cNvCxnSpPr>
+            <a:stCxn id="11" idx="2"/>
             <a:endCxn id="14" idx="0"/>
           </p:cNvCxnSpPr>
           <p:nvPr/>
         </p:nvCxnSpPr>
         <p:spPr>
-          <a:xfrm rot="10800000" flipV="1">
-            <a:off x="2705100" y="3352800"/>
-            <a:ext cx="1638300" cy="457200"/>
+          <a:xfrm rot="5400000">
+            <a:off x="3181350" y="3181350"/>
+            <a:ext cx="914400" cy="1866900"/>
           </a:xfrm>
-          <a:prstGeom prst="bentConnector2">
-            <a:avLst/>
+          <a:prstGeom prst="bentConnector3">
+            <a:avLst>
+              <a:gd name="adj1" fmla="val 50000"/>
+            </a:avLst>
           </a:prstGeom>
           <a:ln>
             <a:tailEnd type="arrow"/>
@@ -7837,19 +7945,22 @@
       </p:cxnSp>
       <p:cxnSp>
         <p:nvCxnSpPr>
-          <p:cNvPr id="56" name="Shape 55"/>
+          <p:cNvPr id="81" name="Elbow Connector 80"/>
           <p:cNvCxnSpPr>
+            <a:stCxn id="11" idx="2"/>
             <a:endCxn id="13" idx="0"/>
           </p:cNvCxnSpPr>
           <p:nvPr/>
         </p:nvCxnSpPr>
         <p:spPr>
-          <a:xfrm rot="10800000" flipV="1">
-            <a:off x="876300" y="3352800"/>
-            <a:ext cx="2095500" cy="457200"/>
+          <a:xfrm rot="5400000">
+            <a:off x="2266950" y="2266950"/>
+            <a:ext cx="914400" cy="3695700"/>
           </a:xfrm>
-          <a:prstGeom prst="bentConnector2">
-            <a:avLst/>
+          <a:prstGeom prst="bentConnector3">
+            <a:avLst>
+              <a:gd name="adj1" fmla="val 50000"/>
+            </a:avLst>
           </a:prstGeom>
           <a:ln>
             <a:tailEnd type="arrow"/>
@@ -7872,19 +7983,22 @@
       </p:cxnSp>
       <p:cxnSp>
         <p:nvCxnSpPr>
-          <p:cNvPr id="58" name="Shape 57"/>
+          <p:cNvPr id="83" name="Elbow Connector 82"/>
           <p:cNvCxnSpPr>
+            <a:stCxn id="11" idx="2"/>
             <a:endCxn id="18" idx="0"/>
           </p:cNvCxnSpPr>
           <p:nvPr/>
         </p:nvCxnSpPr>
         <p:spPr>
-          <a:xfrm>
-            <a:off x="4114800" y="3352800"/>
-            <a:ext cx="2247900" cy="457200"/>
+          <a:xfrm rot="16200000" flipH="1">
+            <a:off x="5010150" y="3219450"/>
+            <a:ext cx="914400" cy="1790700"/>
           </a:xfrm>
-          <a:prstGeom prst="bentConnector2">
-            <a:avLst/>
+          <a:prstGeom prst="bentConnector3">
+            <a:avLst>
+              <a:gd name="adj1" fmla="val 50000"/>
+            </a:avLst>
           </a:prstGeom>
           <a:ln>
             <a:tailEnd type="arrow"/>
@@ -7907,19 +8021,22 @@
       </p:cxnSp>
       <p:cxnSp>
         <p:nvCxnSpPr>
-          <p:cNvPr id="60" name="Shape 59"/>
+          <p:cNvPr id="85" name="Elbow Connector 84"/>
           <p:cNvCxnSpPr>
+            <a:stCxn id="11" idx="2"/>
             <a:endCxn id="19" idx="0"/>
           </p:cNvCxnSpPr>
           <p:nvPr/>
         </p:nvCxnSpPr>
         <p:spPr>
-          <a:xfrm>
-            <a:off x="6019800" y="3352800"/>
-            <a:ext cx="2247900" cy="457200"/>
+          <a:xfrm rot="16200000" flipH="1">
+            <a:off x="5962650" y="2266950"/>
+            <a:ext cx="914400" cy="3695700"/>
           </a:xfrm>
-          <a:prstGeom prst="bentConnector2">
-            <a:avLst/>
+          <a:prstGeom prst="bentConnector3">
+            <a:avLst>
+              <a:gd name="adj1" fmla="val 50000"/>
+            </a:avLst>
           </a:prstGeom>
           <a:ln>
             <a:tailEnd type="arrow"/>
@@ -7956,6 +8073,2894 @@
 </file>
 
 <file path=ppt/slides/slide15.xml><?xml version="1.0" encoding="utf-8"?>
+<p:sld xmlns:a="http://schemas.openxmlformats.org/drawingml/2006/main" xmlns:r="http://schemas.openxmlformats.org/officeDocument/2006/relationships" xmlns:p="http://schemas.openxmlformats.org/presentationml/2006/main">
+  <p:cSld>
+    <p:spTree>
+      <p:nvGrpSpPr>
+        <p:cNvPr id="1" name=""/>
+        <p:cNvGrpSpPr/>
+        <p:nvPr/>
+      </p:nvGrpSpPr>
+      <p:grpSpPr>
+        <a:xfrm>
+          <a:off x="0" y="0"/>
+          <a:ext cx="0" cy="0"/>
+          <a:chOff x="0" y="0"/>
+          <a:chExt cx="0" cy="0"/>
+        </a:xfrm>
+      </p:grpSpPr>
+      <p:sp>
+        <p:nvSpPr>
+          <p:cNvPr id="2" name="Title 1"/>
+          <p:cNvSpPr>
+            <a:spLocks noGrp="1"/>
+          </p:cNvSpPr>
+          <p:nvPr>
+            <p:ph type="title"/>
+          </p:nvPr>
+        </p:nvSpPr>
+        <p:spPr/>
+        <p:txBody>
+          <a:bodyPr/>
+          <a:lstStyle/>
+          <a:p>
+            <a:r>
+              <a:rPr lang="en-US" sz="1800" dirty="0" smtClean="0">
+                <a:latin typeface="+mn-lt"/>
+              </a:rPr>
+              <a:t>OPTIONS</a:t>
+            </a:r>
+            <a:endParaRPr lang="en-US" sz="1800" dirty="0">
+              <a:latin typeface="+mn-lt"/>
+            </a:endParaRPr>
+          </a:p>
+        </p:txBody>
+      </p:sp>
+      <p:sp>
+        <p:nvSpPr>
+          <p:cNvPr id="3" name="Content Placeholder 2"/>
+          <p:cNvSpPr>
+            <a:spLocks noGrp="1"/>
+          </p:cNvSpPr>
+          <p:nvPr>
+            <p:ph idx="1"/>
+          </p:nvPr>
+        </p:nvSpPr>
+        <p:spPr>
+          <a:xfrm>
+            <a:off x="381000" y="3124200"/>
+            <a:ext cx="2209800" cy="2666999"/>
+          </a:xfrm>
+        </p:spPr>
+        <p:txBody>
+          <a:bodyPr/>
+          <a:lstStyle/>
+          <a:p>
+            <a:pPr>
+              <a:buNone/>
+            </a:pPr>
+            <a:r>
+              <a:rPr lang="en-US" sz="1600" b="1" dirty="0" smtClean="0"/>
+              <a:t>MANDATORY</a:t>
+            </a:r>
+          </a:p>
+          <a:p>
+            <a:pPr>
+              <a:buNone/>
+            </a:pPr>
+            <a:endParaRPr lang="en-US" dirty="0" smtClean="0"/>
+          </a:p>
+          <a:p>
+            <a:r>
+              <a:rPr lang="en-US" dirty="0" smtClean="0"/>
+              <a:t>Single / Regression</a:t>
+            </a:r>
+          </a:p>
+          <a:p>
+            <a:r>
+              <a:rPr lang="en-US" dirty="0" smtClean="0"/>
+              <a:t>Timescale</a:t>
+            </a:r>
+          </a:p>
+          <a:p>
+            <a:r>
+              <a:rPr lang="en-US" dirty="0" err="1" smtClean="0"/>
+              <a:t>Frtl</a:t>
+            </a:r>
+            <a:r>
+              <a:rPr lang="en-US" dirty="0" smtClean="0"/>
+              <a:t>  </a:t>
+            </a:r>
+          </a:p>
+          <a:p>
+            <a:r>
+              <a:rPr lang="en-US" dirty="0" err="1" smtClean="0"/>
+              <a:t>Ftb</a:t>
+            </a:r>
+            <a:endParaRPr lang="en-US" dirty="0" smtClean="0"/>
+          </a:p>
+          <a:p>
+            <a:r>
+              <a:rPr lang="en-US" dirty="0" err="1" smtClean="0"/>
+              <a:t>Sim_mode</a:t>
+            </a:r>
+            <a:endParaRPr lang="en-US" dirty="0" smtClean="0"/>
+          </a:p>
+          <a:p>
+            <a:r>
+              <a:rPr lang="en-US" dirty="0" smtClean="0"/>
+              <a:t>Tool</a:t>
+            </a:r>
+          </a:p>
+          <a:p>
+            <a:r>
+              <a:rPr lang="en-US" dirty="0" err="1" smtClean="0"/>
+              <a:t>Inclist</a:t>
+            </a:r>
+            <a:endParaRPr lang="en-US" dirty="0" smtClean="0"/>
+          </a:p>
+          <a:p>
+            <a:endParaRPr lang="en-US" dirty="0" smtClean="0"/>
+          </a:p>
+          <a:p>
+            <a:endParaRPr lang="en-US" dirty="0"/>
+          </a:p>
+        </p:txBody>
+      </p:sp>
+      <p:sp>
+        <p:nvSpPr>
+          <p:cNvPr id="5" name="Content Placeholder 2"/>
+          <p:cNvSpPr txBox="1">
+            <a:spLocks/>
+          </p:cNvSpPr>
+          <p:nvPr/>
+        </p:nvSpPr>
+        <p:spPr>
+          <a:xfrm>
+            <a:off x="3048000" y="3124200"/>
+            <a:ext cx="2895600" cy="2971800"/>
+          </a:xfrm>
+          <a:prstGeom prst="rect">
+            <a:avLst/>
+          </a:prstGeom>
+        </p:spPr>
+        <p:txBody>
+          <a:bodyPr vert="horz" lIns="91440" tIns="45720" rIns="91440" bIns="45720" rtlCol="0">
+            <a:normAutofit/>
+          </a:bodyPr>
+          <a:lstStyle/>
+          <a:p>
+            <a:pPr marL="342900" marR="0" lvl="0" indent="-342900" algn="l" defTabSz="914400" rtl="0" eaLnBrk="1" fontAlgn="auto" latinLnBrk="0" hangingPunct="1">
+              <a:lnSpc>
+                <a:spcPct val="100000"/>
+              </a:lnSpc>
+              <a:spcBef>
+                <a:spcPct val="20000"/>
+              </a:spcBef>
+              <a:spcAft>
+                <a:spcPts val="0"/>
+              </a:spcAft>
+              <a:buClrTx/>
+              <a:buSzTx/>
+              <a:buFont typeface="Wingdings" pitchFamily="2" charset="2"/>
+              <a:buNone/>
+              <a:tabLst/>
+              <a:defRPr/>
+            </a:pPr>
+            <a:r>
+              <a:rPr kumimoji="1" lang="en-US" sz="1600" b="1" dirty="0" smtClean="0">
+                <a:latin typeface="Arial" pitchFamily="34" charset="0"/>
+                <a:cs typeface="Arial" pitchFamily="34" charset="0"/>
+              </a:rPr>
+              <a:t>NON MANDATORY (EXTRA)</a:t>
+            </a:r>
+            <a:endParaRPr kumimoji="1" lang="en-US" sz="1600" b="1" i="0" u="none" strike="noStrike" kern="1200" cap="none" spc="0" normalizeH="0" baseline="0" noProof="0" dirty="0" smtClean="0">
+              <a:ln>
+                <a:noFill/>
+              </a:ln>
+              <a:solidFill>
+                <a:schemeClr val="tx1"/>
+              </a:solidFill>
+              <a:effectLst/>
+              <a:uLnTx/>
+              <a:uFillTx/>
+              <a:latin typeface="Arial" pitchFamily="34" charset="0"/>
+              <a:ea typeface="+mn-ea"/>
+              <a:cs typeface="Arial" pitchFamily="34" charset="0"/>
+            </a:endParaRPr>
+          </a:p>
+          <a:p>
+            <a:pPr marL="342900" marR="0" lvl="0" indent="-342900" algn="l" defTabSz="914400" rtl="0" eaLnBrk="1" fontAlgn="auto" latinLnBrk="0" hangingPunct="1">
+              <a:lnSpc>
+                <a:spcPct val="100000"/>
+              </a:lnSpc>
+              <a:spcBef>
+                <a:spcPct val="20000"/>
+              </a:spcBef>
+              <a:spcAft>
+                <a:spcPts val="0"/>
+              </a:spcAft>
+              <a:buClrTx/>
+              <a:buSzTx/>
+              <a:buFont typeface="Wingdings" pitchFamily="2" charset="2"/>
+              <a:buNone/>
+              <a:tabLst/>
+              <a:defRPr/>
+            </a:pPr>
+            <a:endParaRPr kumimoji="1" lang="en-US" sz="1200" b="0" i="0" u="none" strike="noStrike" kern="1200" cap="none" spc="0" normalizeH="0" baseline="0" noProof="0" dirty="0" smtClean="0">
+              <a:ln>
+                <a:noFill/>
+              </a:ln>
+              <a:solidFill>
+                <a:schemeClr val="tx1"/>
+              </a:solidFill>
+              <a:effectLst/>
+              <a:uLnTx/>
+              <a:uFillTx/>
+              <a:latin typeface="Arial" pitchFamily="34" charset="0"/>
+              <a:ea typeface="+mn-ea"/>
+              <a:cs typeface="Arial" pitchFamily="34" charset="0"/>
+            </a:endParaRPr>
+          </a:p>
+          <a:p>
+            <a:pPr marL="342900" marR="0" lvl="0" indent="-342900" algn="l" defTabSz="914400" rtl="0" eaLnBrk="1" fontAlgn="auto" latinLnBrk="0" hangingPunct="1">
+              <a:lnSpc>
+                <a:spcPct val="100000"/>
+              </a:lnSpc>
+              <a:spcBef>
+                <a:spcPct val="20000"/>
+              </a:spcBef>
+              <a:spcAft>
+                <a:spcPts val="0"/>
+              </a:spcAft>
+              <a:buClrTx/>
+              <a:buSzTx/>
+              <a:buFont typeface="Wingdings" pitchFamily="2" charset="2"/>
+              <a:buChar char=""/>
+              <a:tabLst/>
+              <a:defRPr/>
+            </a:pPr>
+            <a:r>
+              <a:rPr kumimoji="1" lang="en-US" sz="1200" dirty="0" smtClean="0">
+                <a:latin typeface="Arial" pitchFamily="34" charset="0"/>
+                <a:cs typeface="Arial" pitchFamily="34" charset="0"/>
+              </a:rPr>
+              <a:t>Options (Extra)</a:t>
+            </a:r>
+            <a:endParaRPr kumimoji="1" lang="en-US" sz="1200" b="0" i="0" u="none" strike="noStrike" kern="1200" cap="none" spc="0" normalizeH="0" baseline="0" noProof="0" dirty="0" smtClean="0">
+              <a:ln>
+                <a:noFill/>
+              </a:ln>
+              <a:solidFill>
+                <a:schemeClr val="tx1"/>
+              </a:solidFill>
+              <a:effectLst/>
+              <a:uLnTx/>
+              <a:uFillTx/>
+              <a:latin typeface="Arial" pitchFamily="34" charset="0"/>
+              <a:ea typeface="+mn-ea"/>
+              <a:cs typeface="Arial" pitchFamily="34" charset="0"/>
+            </a:endParaRPr>
+          </a:p>
+          <a:p>
+            <a:pPr marL="342900" marR="0" lvl="0" indent="-342900" algn="l" defTabSz="914400" rtl="0" eaLnBrk="1" fontAlgn="auto" latinLnBrk="0" hangingPunct="1">
+              <a:lnSpc>
+                <a:spcPct val="100000"/>
+              </a:lnSpc>
+              <a:spcBef>
+                <a:spcPct val="20000"/>
+              </a:spcBef>
+              <a:spcAft>
+                <a:spcPts val="0"/>
+              </a:spcAft>
+              <a:buClrTx/>
+              <a:buSzTx/>
+              <a:buFont typeface="Wingdings" pitchFamily="2" charset="2"/>
+              <a:buChar char=""/>
+              <a:tabLst/>
+              <a:defRPr/>
+            </a:pPr>
+            <a:r>
+              <a:rPr kumimoji="1" lang="en-US" sz="1200" b="0" i="0" u="none" strike="noStrike" kern="1200" cap="none" spc="0" normalizeH="0" baseline="0" noProof="0" dirty="0" err="1" smtClean="0">
+                <a:ln>
+                  <a:noFill/>
+                </a:ln>
+                <a:solidFill>
+                  <a:schemeClr val="tx1"/>
+                </a:solidFill>
+                <a:effectLst/>
+                <a:uLnTx/>
+                <a:uFillTx/>
+                <a:latin typeface="Arial" pitchFamily="34" charset="0"/>
+                <a:ea typeface="+mn-ea"/>
+                <a:cs typeface="Arial" pitchFamily="34" charset="0"/>
+              </a:rPr>
+              <a:t>Deflist</a:t>
+            </a:r>
+            <a:endParaRPr kumimoji="1" lang="en-US" sz="1200" b="0" i="0" u="none" strike="noStrike" kern="1200" cap="none" spc="0" normalizeH="0" baseline="0" noProof="0" dirty="0" smtClean="0">
+              <a:ln>
+                <a:noFill/>
+              </a:ln>
+              <a:solidFill>
+                <a:schemeClr val="tx1"/>
+              </a:solidFill>
+              <a:effectLst/>
+              <a:uLnTx/>
+              <a:uFillTx/>
+              <a:latin typeface="Arial" pitchFamily="34" charset="0"/>
+              <a:ea typeface="+mn-ea"/>
+              <a:cs typeface="Arial" pitchFamily="34" charset="0"/>
+            </a:endParaRPr>
+          </a:p>
+          <a:p>
+            <a:pPr marL="342900" marR="0" lvl="0" indent="-342900" algn="l" defTabSz="914400" rtl="0" eaLnBrk="1" fontAlgn="auto" latinLnBrk="0" hangingPunct="1">
+              <a:lnSpc>
+                <a:spcPct val="100000"/>
+              </a:lnSpc>
+              <a:spcBef>
+                <a:spcPct val="20000"/>
+              </a:spcBef>
+              <a:spcAft>
+                <a:spcPts val="0"/>
+              </a:spcAft>
+              <a:buClrTx/>
+              <a:buSzTx/>
+              <a:buFont typeface="Wingdings" pitchFamily="2" charset="2"/>
+              <a:buChar char=""/>
+              <a:tabLst/>
+              <a:defRPr/>
+            </a:pPr>
+            <a:r>
+              <a:rPr kumimoji="1" lang="en-US" sz="1200" dirty="0" err="1" smtClean="0">
+                <a:latin typeface="Arial" pitchFamily="34" charset="0"/>
+                <a:cs typeface="Arial" pitchFamily="34" charset="0"/>
+              </a:rPr>
+              <a:t>Vip_library</a:t>
+            </a:r>
+            <a:endParaRPr kumimoji="1" lang="en-US" sz="1200" b="0" i="0" u="none" strike="noStrike" kern="1200" cap="none" spc="0" normalizeH="0" baseline="0" noProof="0" dirty="0" smtClean="0">
+              <a:ln>
+                <a:noFill/>
+              </a:ln>
+              <a:solidFill>
+                <a:schemeClr val="tx1"/>
+              </a:solidFill>
+              <a:effectLst/>
+              <a:uLnTx/>
+              <a:uFillTx/>
+              <a:latin typeface="Arial" pitchFamily="34" charset="0"/>
+              <a:ea typeface="+mn-ea"/>
+              <a:cs typeface="Arial" pitchFamily="34" charset="0"/>
+            </a:endParaRPr>
+          </a:p>
+          <a:p>
+            <a:pPr marL="342900" marR="0" lvl="0" indent="-342900" algn="l" defTabSz="914400" rtl="0" eaLnBrk="1" fontAlgn="auto" latinLnBrk="0" hangingPunct="1">
+              <a:lnSpc>
+                <a:spcPct val="100000"/>
+              </a:lnSpc>
+              <a:spcBef>
+                <a:spcPct val="20000"/>
+              </a:spcBef>
+              <a:spcAft>
+                <a:spcPts val="0"/>
+              </a:spcAft>
+              <a:buClrTx/>
+              <a:buSzTx/>
+              <a:buFont typeface="Wingdings" pitchFamily="2" charset="2"/>
+              <a:buChar char=""/>
+              <a:tabLst/>
+              <a:defRPr/>
+            </a:pPr>
+            <a:r>
+              <a:rPr kumimoji="1" lang="en-US" sz="1200" dirty="0" smtClean="0">
+                <a:latin typeface="Arial" pitchFamily="34" charset="0"/>
+                <a:cs typeface="Arial" pitchFamily="34" charset="0"/>
+              </a:rPr>
+              <a:t>Optional Error </a:t>
+            </a:r>
+            <a:r>
+              <a:rPr kumimoji="1" lang="en-US" sz="1200" b="0" i="0" u="none" strike="noStrike" kern="1200" cap="none" spc="0" normalizeH="0" baseline="0" noProof="0" dirty="0" smtClean="0">
+                <a:ln>
+                  <a:noFill/>
+                </a:ln>
+                <a:solidFill>
+                  <a:schemeClr val="tx1"/>
+                </a:solidFill>
+                <a:effectLst/>
+                <a:uLnTx/>
+                <a:uFillTx/>
+                <a:latin typeface="Arial" pitchFamily="34" charset="0"/>
+                <a:ea typeface="+mn-ea"/>
+                <a:cs typeface="Arial" pitchFamily="34" charset="0"/>
+              </a:rPr>
+              <a:t> </a:t>
+            </a:r>
+          </a:p>
+          <a:p>
+            <a:pPr marL="342900" marR="0" lvl="0" indent="-342900" algn="l" defTabSz="914400" rtl="0" eaLnBrk="1" fontAlgn="auto" latinLnBrk="0" hangingPunct="1">
+              <a:lnSpc>
+                <a:spcPct val="100000"/>
+              </a:lnSpc>
+              <a:spcBef>
+                <a:spcPct val="20000"/>
+              </a:spcBef>
+              <a:spcAft>
+                <a:spcPts val="0"/>
+              </a:spcAft>
+              <a:buClrTx/>
+              <a:buSzTx/>
+              <a:buFont typeface="Wingdings" pitchFamily="2" charset="2"/>
+              <a:buChar char=""/>
+              <a:tabLst/>
+              <a:defRPr/>
+            </a:pPr>
+            <a:r>
+              <a:rPr kumimoji="1" lang="en-US" sz="1200" dirty="0" smtClean="0">
+                <a:latin typeface="Arial" pitchFamily="34" charset="0"/>
+                <a:cs typeface="Arial" pitchFamily="34" charset="0"/>
+              </a:rPr>
+              <a:t>Optional Error Exclude</a:t>
+            </a:r>
+            <a:endParaRPr kumimoji="1" lang="en-US" sz="1200" b="0" i="0" u="none" strike="noStrike" kern="1200" cap="none" spc="0" normalizeH="0" baseline="0" noProof="0" dirty="0" smtClean="0">
+              <a:ln>
+                <a:noFill/>
+              </a:ln>
+              <a:solidFill>
+                <a:schemeClr val="tx1"/>
+              </a:solidFill>
+              <a:effectLst/>
+              <a:uLnTx/>
+              <a:uFillTx/>
+              <a:latin typeface="Arial" pitchFamily="34" charset="0"/>
+              <a:ea typeface="+mn-ea"/>
+              <a:cs typeface="Arial" pitchFamily="34" charset="0"/>
+            </a:endParaRPr>
+          </a:p>
+          <a:p>
+            <a:pPr marL="342900" marR="0" lvl="0" indent="-342900" algn="l" defTabSz="914400" rtl="0" eaLnBrk="1" fontAlgn="auto" latinLnBrk="0" hangingPunct="1">
+              <a:lnSpc>
+                <a:spcPct val="100000"/>
+              </a:lnSpc>
+              <a:spcBef>
+                <a:spcPct val="20000"/>
+              </a:spcBef>
+              <a:spcAft>
+                <a:spcPts val="0"/>
+              </a:spcAft>
+              <a:buClrTx/>
+              <a:buSzTx/>
+              <a:buFont typeface="Wingdings" pitchFamily="2" charset="2"/>
+              <a:buChar char=""/>
+              <a:tabLst/>
+              <a:defRPr/>
+            </a:pPr>
+            <a:r>
+              <a:rPr kumimoji="1" lang="en-US" sz="1200" dirty="0" smtClean="0">
+                <a:latin typeface="Arial" pitchFamily="34" charset="0"/>
+                <a:cs typeface="Arial" pitchFamily="34" charset="0"/>
+              </a:rPr>
+              <a:t>Seed</a:t>
+            </a:r>
+          </a:p>
+          <a:p>
+            <a:pPr marL="342900" marR="0" lvl="0" indent="-342900" algn="l" defTabSz="914400" rtl="0" eaLnBrk="1" fontAlgn="auto" latinLnBrk="0" hangingPunct="1">
+              <a:lnSpc>
+                <a:spcPct val="100000"/>
+              </a:lnSpc>
+              <a:spcBef>
+                <a:spcPct val="20000"/>
+              </a:spcBef>
+              <a:spcAft>
+                <a:spcPts val="0"/>
+              </a:spcAft>
+              <a:buClrTx/>
+              <a:buSzTx/>
+              <a:buFont typeface="Wingdings" pitchFamily="2" charset="2"/>
+              <a:buChar char=""/>
+              <a:tabLst/>
+              <a:defRPr/>
+            </a:pPr>
+            <a:r>
+              <a:rPr kumimoji="1" lang="en-US" sz="1200" b="0" i="0" u="none" strike="noStrike" kern="1200" cap="none" spc="0" normalizeH="0" baseline="0" noProof="0" dirty="0" smtClean="0">
+                <a:ln>
+                  <a:noFill/>
+                </a:ln>
+                <a:solidFill>
+                  <a:schemeClr val="tx1"/>
+                </a:solidFill>
+                <a:effectLst/>
+                <a:uLnTx/>
+                <a:uFillTx/>
+                <a:latin typeface="Arial" pitchFamily="34" charset="0"/>
+                <a:ea typeface="+mn-ea"/>
+                <a:cs typeface="Arial" pitchFamily="34" charset="0"/>
+              </a:rPr>
+              <a:t>Verbosity</a:t>
+            </a:r>
+          </a:p>
+          <a:p>
+            <a:pPr marL="342900" marR="0" lvl="0" indent="-342900" algn="l" defTabSz="914400" rtl="0" eaLnBrk="1" fontAlgn="auto" latinLnBrk="0" hangingPunct="1">
+              <a:lnSpc>
+                <a:spcPct val="100000"/>
+              </a:lnSpc>
+              <a:spcBef>
+                <a:spcPct val="20000"/>
+              </a:spcBef>
+              <a:spcAft>
+                <a:spcPts val="0"/>
+              </a:spcAft>
+              <a:buClrTx/>
+              <a:buSzTx/>
+              <a:buFont typeface="Wingdings" pitchFamily="2" charset="2"/>
+              <a:buChar char=""/>
+              <a:tabLst/>
+              <a:defRPr/>
+            </a:pPr>
+            <a:r>
+              <a:rPr kumimoji="1" lang="en-US" sz="1200" dirty="0" smtClean="0">
+                <a:latin typeface="Arial" pitchFamily="34" charset="0"/>
+                <a:cs typeface="Arial" pitchFamily="34" charset="0"/>
+              </a:rPr>
+              <a:t>Stop Time</a:t>
+            </a:r>
+          </a:p>
+          <a:p>
+            <a:pPr marL="342900" marR="0" lvl="0" indent="-342900" algn="l" defTabSz="914400" rtl="0" eaLnBrk="1" fontAlgn="auto" latinLnBrk="0" hangingPunct="1">
+              <a:lnSpc>
+                <a:spcPct val="100000"/>
+              </a:lnSpc>
+              <a:spcBef>
+                <a:spcPct val="20000"/>
+              </a:spcBef>
+              <a:spcAft>
+                <a:spcPts val="0"/>
+              </a:spcAft>
+              <a:buClrTx/>
+              <a:buSzTx/>
+              <a:buFont typeface="Wingdings" pitchFamily="2" charset="2"/>
+              <a:buChar char=""/>
+              <a:tabLst/>
+              <a:defRPr/>
+            </a:pPr>
+            <a:r>
+              <a:rPr kumimoji="1" lang="en-US" sz="1200" dirty="0" smtClean="0">
+                <a:latin typeface="Arial" pitchFamily="34" charset="0"/>
+                <a:cs typeface="Arial" pitchFamily="34" charset="0"/>
+              </a:rPr>
+              <a:t>Log name</a:t>
+            </a:r>
+          </a:p>
+          <a:p>
+            <a:pPr marL="342900" marR="0" lvl="0" indent="-342900" algn="l" defTabSz="914400" rtl="0" eaLnBrk="1" fontAlgn="auto" latinLnBrk="0" hangingPunct="1">
+              <a:lnSpc>
+                <a:spcPct val="100000"/>
+              </a:lnSpc>
+              <a:spcBef>
+                <a:spcPct val="20000"/>
+              </a:spcBef>
+              <a:spcAft>
+                <a:spcPts val="0"/>
+              </a:spcAft>
+              <a:buClrTx/>
+              <a:buSzTx/>
+              <a:buFont typeface="Wingdings" pitchFamily="2" charset="2"/>
+              <a:buChar char=""/>
+              <a:tabLst/>
+              <a:defRPr/>
+            </a:pPr>
+            <a:r>
+              <a:rPr kumimoji="1" lang="en-US" sz="1200" dirty="0" smtClean="0">
+                <a:latin typeface="Arial" pitchFamily="34" charset="0"/>
+                <a:cs typeface="Arial" pitchFamily="34" charset="0"/>
+              </a:rPr>
+              <a:t>GUI</a:t>
+            </a:r>
+          </a:p>
+          <a:p>
+            <a:pPr marL="342900" marR="0" lvl="0" indent="-342900" algn="l" defTabSz="914400" rtl="0" eaLnBrk="1" fontAlgn="auto" latinLnBrk="0" hangingPunct="1">
+              <a:lnSpc>
+                <a:spcPct val="100000"/>
+              </a:lnSpc>
+              <a:spcBef>
+                <a:spcPct val="20000"/>
+              </a:spcBef>
+              <a:spcAft>
+                <a:spcPts val="0"/>
+              </a:spcAft>
+              <a:buClrTx/>
+              <a:buSzTx/>
+              <a:buFont typeface="Wingdings" pitchFamily="2" charset="2"/>
+              <a:buChar char=""/>
+              <a:tabLst/>
+              <a:defRPr/>
+            </a:pPr>
+            <a:r>
+              <a:rPr kumimoji="1" lang="en-US" sz="1200" dirty="0" smtClean="0">
+                <a:latin typeface="Arial" pitchFamily="34" charset="0"/>
+                <a:cs typeface="Arial" pitchFamily="34" charset="0"/>
+              </a:rPr>
+              <a:t>Excel</a:t>
+            </a:r>
+          </a:p>
+          <a:p>
+            <a:pPr marL="342900" marR="0" lvl="0" indent="-342900" algn="l" defTabSz="914400" rtl="0" eaLnBrk="1" fontAlgn="auto" latinLnBrk="0" hangingPunct="1">
+              <a:lnSpc>
+                <a:spcPct val="100000"/>
+              </a:lnSpc>
+              <a:spcBef>
+                <a:spcPct val="20000"/>
+              </a:spcBef>
+              <a:spcAft>
+                <a:spcPts val="0"/>
+              </a:spcAft>
+              <a:buClrTx/>
+              <a:buSzTx/>
+              <a:buFont typeface="Wingdings" pitchFamily="2" charset="2"/>
+              <a:buChar char=""/>
+              <a:tabLst/>
+              <a:defRPr/>
+            </a:pPr>
+            <a:endParaRPr kumimoji="1" lang="en-US" sz="1200" dirty="0" smtClean="0">
+              <a:latin typeface="Arial" pitchFamily="34" charset="0"/>
+              <a:cs typeface="Arial" pitchFamily="34" charset="0"/>
+            </a:endParaRPr>
+          </a:p>
+          <a:p>
+            <a:pPr marL="342900" marR="0" lvl="0" indent="-342900" algn="l" defTabSz="914400" rtl="0" eaLnBrk="1" fontAlgn="auto" latinLnBrk="0" hangingPunct="1">
+              <a:lnSpc>
+                <a:spcPct val="100000"/>
+              </a:lnSpc>
+              <a:spcBef>
+                <a:spcPct val="20000"/>
+              </a:spcBef>
+              <a:spcAft>
+                <a:spcPts val="0"/>
+              </a:spcAft>
+              <a:buClrTx/>
+              <a:buSzTx/>
+              <a:buFont typeface="Wingdings" pitchFamily="2" charset="2"/>
+              <a:buChar char=""/>
+              <a:tabLst/>
+              <a:defRPr/>
+            </a:pPr>
+            <a:endParaRPr kumimoji="1" lang="en-US" sz="1200" b="0" i="0" u="none" strike="noStrike" kern="1200" cap="none" spc="0" normalizeH="0" baseline="0" noProof="0" dirty="0" smtClean="0">
+              <a:ln>
+                <a:noFill/>
+              </a:ln>
+              <a:solidFill>
+                <a:schemeClr val="tx1"/>
+              </a:solidFill>
+              <a:effectLst/>
+              <a:uLnTx/>
+              <a:uFillTx/>
+              <a:latin typeface="Arial" pitchFamily="34" charset="0"/>
+              <a:ea typeface="+mn-ea"/>
+              <a:cs typeface="Arial" pitchFamily="34" charset="0"/>
+            </a:endParaRPr>
+          </a:p>
+          <a:p>
+            <a:pPr marL="342900" marR="0" lvl="0" indent="-342900" algn="l" defTabSz="914400" rtl="0" eaLnBrk="1" fontAlgn="auto" latinLnBrk="0" hangingPunct="1">
+              <a:lnSpc>
+                <a:spcPct val="100000"/>
+              </a:lnSpc>
+              <a:spcBef>
+                <a:spcPct val="20000"/>
+              </a:spcBef>
+              <a:spcAft>
+                <a:spcPts val="0"/>
+              </a:spcAft>
+              <a:buClrTx/>
+              <a:buSzTx/>
+              <a:buFont typeface="Wingdings" pitchFamily="2" charset="2"/>
+              <a:buChar char=""/>
+              <a:tabLst/>
+              <a:defRPr/>
+            </a:pPr>
+            <a:endParaRPr kumimoji="1" lang="en-US" sz="1200" b="0" i="0" u="none" strike="noStrike" kern="1200" cap="none" spc="0" normalizeH="0" baseline="0" noProof="0" dirty="0" smtClean="0">
+              <a:ln>
+                <a:noFill/>
+              </a:ln>
+              <a:solidFill>
+                <a:schemeClr val="tx1"/>
+              </a:solidFill>
+              <a:effectLst/>
+              <a:uLnTx/>
+              <a:uFillTx/>
+              <a:latin typeface="Arial" pitchFamily="34" charset="0"/>
+              <a:ea typeface="+mn-ea"/>
+              <a:cs typeface="Arial" pitchFamily="34" charset="0"/>
+            </a:endParaRPr>
+          </a:p>
+          <a:p>
+            <a:pPr marL="342900" marR="0" lvl="0" indent="-342900" algn="l" defTabSz="914400" rtl="0" eaLnBrk="1" fontAlgn="auto" latinLnBrk="0" hangingPunct="1">
+              <a:lnSpc>
+                <a:spcPct val="100000"/>
+              </a:lnSpc>
+              <a:spcBef>
+                <a:spcPct val="20000"/>
+              </a:spcBef>
+              <a:spcAft>
+                <a:spcPts val="0"/>
+              </a:spcAft>
+              <a:buClrTx/>
+              <a:buSzTx/>
+              <a:buFont typeface="Wingdings" pitchFamily="2" charset="2"/>
+              <a:buChar char=""/>
+              <a:tabLst/>
+              <a:defRPr/>
+            </a:pPr>
+            <a:endParaRPr kumimoji="1" lang="en-US" sz="1200" b="0" i="0" u="none" strike="noStrike" kern="1200" cap="none" spc="0" normalizeH="0" baseline="0" noProof="0" dirty="0" smtClean="0">
+              <a:ln>
+                <a:noFill/>
+              </a:ln>
+              <a:solidFill>
+                <a:schemeClr val="tx1"/>
+              </a:solidFill>
+              <a:effectLst/>
+              <a:uLnTx/>
+              <a:uFillTx/>
+              <a:latin typeface="Arial" pitchFamily="34" charset="0"/>
+              <a:ea typeface="+mn-ea"/>
+              <a:cs typeface="Arial" pitchFamily="34" charset="0"/>
+            </a:endParaRPr>
+          </a:p>
+          <a:p>
+            <a:pPr marL="342900" marR="0" lvl="0" indent="-342900" algn="l" defTabSz="914400" rtl="0" eaLnBrk="1" fontAlgn="auto" latinLnBrk="0" hangingPunct="1">
+              <a:lnSpc>
+                <a:spcPct val="100000"/>
+              </a:lnSpc>
+              <a:spcBef>
+                <a:spcPct val="20000"/>
+              </a:spcBef>
+              <a:spcAft>
+                <a:spcPts val="0"/>
+              </a:spcAft>
+              <a:buClrTx/>
+              <a:buSzTx/>
+              <a:buFont typeface="Wingdings" pitchFamily="2" charset="2"/>
+              <a:buChar char=""/>
+              <a:tabLst/>
+              <a:defRPr/>
+            </a:pPr>
+            <a:endParaRPr kumimoji="1" lang="en-US" sz="1200" b="0" i="0" u="none" strike="noStrike" kern="1200" cap="none" spc="0" normalizeH="0" baseline="0" noProof="0" dirty="0" smtClean="0">
+              <a:ln>
+                <a:noFill/>
+              </a:ln>
+              <a:solidFill>
+                <a:schemeClr val="tx1"/>
+              </a:solidFill>
+              <a:effectLst/>
+              <a:uLnTx/>
+              <a:uFillTx/>
+              <a:latin typeface="Arial" pitchFamily="34" charset="0"/>
+              <a:ea typeface="+mn-ea"/>
+              <a:cs typeface="Arial" pitchFamily="34" charset="0"/>
+            </a:endParaRPr>
+          </a:p>
+          <a:p>
+            <a:pPr marL="342900" marR="0" lvl="0" indent="-342900" algn="l" defTabSz="914400" rtl="0" eaLnBrk="1" fontAlgn="auto" latinLnBrk="0" hangingPunct="1">
+              <a:lnSpc>
+                <a:spcPct val="100000"/>
+              </a:lnSpc>
+              <a:spcBef>
+                <a:spcPct val="20000"/>
+              </a:spcBef>
+              <a:spcAft>
+                <a:spcPts val="0"/>
+              </a:spcAft>
+              <a:buClrTx/>
+              <a:buSzTx/>
+              <a:buFont typeface="Wingdings" pitchFamily="2" charset="2"/>
+              <a:buChar char=""/>
+              <a:tabLst/>
+              <a:defRPr/>
+            </a:pPr>
+            <a:endParaRPr kumimoji="1" lang="en-US" sz="1200" b="0" i="0" u="none" strike="noStrike" kern="1200" cap="none" spc="0" normalizeH="0" baseline="0" noProof="0" dirty="0">
+              <a:ln>
+                <a:noFill/>
+              </a:ln>
+              <a:solidFill>
+                <a:schemeClr val="tx1"/>
+              </a:solidFill>
+              <a:effectLst/>
+              <a:uLnTx/>
+              <a:uFillTx/>
+              <a:latin typeface="Arial" pitchFamily="34" charset="0"/>
+              <a:ea typeface="+mn-ea"/>
+              <a:cs typeface="Arial" pitchFamily="34" charset="0"/>
+            </a:endParaRPr>
+          </a:p>
+        </p:txBody>
+      </p:sp>
+      <p:sp>
+        <p:nvSpPr>
+          <p:cNvPr id="6" name="Content Placeholder 2"/>
+          <p:cNvSpPr txBox="1">
+            <a:spLocks/>
+          </p:cNvSpPr>
+          <p:nvPr/>
+        </p:nvSpPr>
+        <p:spPr>
+          <a:xfrm>
+            <a:off x="6553200" y="3124200"/>
+            <a:ext cx="2209800" cy="3276600"/>
+          </a:xfrm>
+          <a:prstGeom prst="rect">
+            <a:avLst/>
+          </a:prstGeom>
+        </p:spPr>
+        <p:txBody>
+          <a:bodyPr vert="horz" lIns="91440" tIns="45720" rIns="91440" bIns="45720" rtlCol="0">
+            <a:normAutofit/>
+          </a:bodyPr>
+          <a:lstStyle/>
+          <a:p>
+            <a:pPr marL="342900" marR="0" lvl="0" indent="-342900" algn="l" defTabSz="914400" rtl="0" eaLnBrk="1" fontAlgn="auto" latinLnBrk="0" hangingPunct="1">
+              <a:lnSpc>
+                <a:spcPct val="100000"/>
+              </a:lnSpc>
+              <a:spcBef>
+                <a:spcPct val="20000"/>
+              </a:spcBef>
+              <a:spcAft>
+                <a:spcPts val="0"/>
+              </a:spcAft>
+              <a:buClrTx/>
+              <a:buSzTx/>
+              <a:buFont typeface="Wingdings" pitchFamily="2" charset="2"/>
+              <a:buNone/>
+              <a:tabLst/>
+              <a:defRPr/>
+            </a:pPr>
+            <a:endParaRPr kumimoji="1" lang="en-US" sz="1200" b="0" i="0" u="none" strike="noStrike" kern="1200" cap="none" spc="0" normalizeH="0" baseline="0" noProof="0" dirty="0" smtClean="0">
+              <a:ln>
+                <a:noFill/>
+              </a:ln>
+              <a:solidFill>
+                <a:schemeClr val="tx1"/>
+              </a:solidFill>
+              <a:effectLst/>
+              <a:uLnTx/>
+              <a:uFillTx/>
+              <a:latin typeface="Arial" pitchFamily="34" charset="0"/>
+              <a:ea typeface="+mn-ea"/>
+              <a:cs typeface="Arial" pitchFamily="34" charset="0"/>
+            </a:endParaRPr>
+          </a:p>
+          <a:p>
+            <a:pPr marL="342900" marR="0" lvl="0" indent="-342900" algn="l" defTabSz="914400" rtl="0" eaLnBrk="1" fontAlgn="auto" latinLnBrk="0" hangingPunct="1">
+              <a:lnSpc>
+                <a:spcPct val="100000"/>
+              </a:lnSpc>
+              <a:spcBef>
+                <a:spcPct val="20000"/>
+              </a:spcBef>
+              <a:spcAft>
+                <a:spcPts val="0"/>
+              </a:spcAft>
+              <a:buClrTx/>
+              <a:buSzTx/>
+              <a:buFont typeface="Wingdings" pitchFamily="2" charset="2"/>
+              <a:buNone/>
+              <a:tabLst/>
+              <a:defRPr/>
+            </a:pPr>
+            <a:endParaRPr kumimoji="1" lang="en-US" sz="1200" b="0" i="0" u="none" strike="noStrike" kern="1200" cap="none" spc="0" normalizeH="0" baseline="0" noProof="0" dirty="0" smtClean="0">
+              <a:ln>
+                <a:noFill/>
+              </a:ln>
+              <a:solidFill>
+                <a:schemeClr val="tx1"/>
+              </a:solidFill>
+              <a:effectLst/>
+              <a:uLnTx/>
+              <a:uFillTx/>
+              <a:latin typeface="Arial" pitchFamily="34" charset="0"/>
+              <a:ea typeface="+mn-ea"/>
+              <a:cs typeface="Arial" pitchFamily="34" charset="0"/>
+            </a:endParaRPr>
+          </a:p>
+          <a:p>
+            <a:pPr marL="342900" marR="0" lvl="0" indent="-342900" algn="l" defTabSz="914400" rtl="0" eaLnBrk="1" fontAlgn="auto" latinLnBrk="0" hangingPunct="1">
+              <a:lnSpc>
+                <a:spcPct val="100000"/>
+              </a:lnSpc>
+              <a:spcBef>
+                <a:spcPct val="20000"/>
+              </a:spcBef>
+              <a:spcAft>
+                <a:spcPts val="0"/>
+              </a:spcAft>
+              <a:buClrTx/>
+              <a:buSzTx/>
+              <a:buFont typeface="Wingdings" pitchFamily="2" charset="2"/>
+              <a:buChar char=""/>
+              <a:tabLst/>
+              <a:defRPr/>
+            </a:pPr>
+            <a:r>
+              <a:rPr kumimoji="1" lang="en-US" sz="1200" b="0" i="0" u="none" strike="noStrike" kern="1200" cap="none" spc="0" normalizeH="0" baseline="0" noProof="0" dirty="0" smtClean="0">
+                <a:ln>
+                  <a:noFill/>
+                </a:ln>
+                <a:solidFill>
+                  <a:schemeClr val="tx1"/>
+                </a:solidFill>
+                <a:effectLst/>
+                <a:uLnTx/>
+                <a:uFillTx/>
+                <a:latin typeface="Arial" pitchFamily="34" charset="0"/>
+                <a:ea typeface="+mn-ea"/>
+                <a:cs typeface="Arial" pitchFamily="34" charset="0"/>
+              </a:rPr>
+              <a:t>Dump</a:t>
+            </a:r>
+          </a:p>
+          <a:p>
+            <a:pPr marL="342900" marR="0" lvl="0" indent="-342900" algn="l" defTabSz="914400" rtl="0" eaLnBrk="1" fontAlgn="auto" latinLnBrk="0" hangingPunct="1">
+              <a:lnSpc>
+                <a:spcPct val="100000"/>
+              </a:lnSpc>
+              <a:spcBef>
+                <a:spcPct val="20000"/>
+              </a:spcBef>
+              <a:spcAft>
+                <a:spcPts val="0"/>
+              </a:spcAft>
+              <a:buClrTx/>
+              <a:buSzTx/>
+              <a:buFont typeface="Wingdings" pitchFamily="2" charset="2"/>
+              <a:buChar char=""/>
+              <a:tabLst/>
+              <a:defRPr/>
+            </a:pPr>
+            <a:r>
+              <a:rPr kumimoji="1" lang="en-US" sz="1200" dirty="0" smtClean="0">
+                <a:latin typeface="Arial" pitchFamily="34" charset="0"/>
+                <a:cs typeface="Arial" pitchFamily="34" charset="0"/>
+              </a:rPr>
+              <a:t>No of Licenses</a:t>
+            </a:r>
+            <a:endParaRPr kumimoji="1" lang="en-US" sz="1200" b="0" i="0" u="none" strike="noStrike" kern="1200" cap="none" spc="0" normalizeH="0" baseline="0" noProof="0" dirty="0" smtClean="0">
+              <a:ln>
+                <a:noFill/>
+              </a:ln>
+              <a:solidFill>
+                <a:schemeClr val="tx1"/>
+              </a:solidFill>
+              <a:effectLst/>
+              <a:uLnTx/>
+              <a:uFillTx/>
+              <a:latin typeface="Arial" pitchFamily="34" charset="0"/>
+              <a:ea typeface="+mn-ea"/>
+              <a:cs typeface="Arial" pitchFamily="34" charset="0"/>
+            </a:endParaRPr>
+          </a:p>
+          <a:p>
+            <a:pPr marL="342900" marR="0" lvl="0" indent="-342900" algn="l" defTabSz="914400" rtl="0" eaLnBrk="1" fontAlgn="auto" latinLnBrk="0" hangingPunct="1">
+              <a:lnSpc>
+                <a:spcPct val="100000"/>
+              </a:lnSpc>
+              <a:spcBef>
+                <a:spcPct val="20000"/>
+              </a:spcBef>
+              <a:spcAft>
+                <a:spcPts val="0"/>
+              </a:spcAft>
+              <a:buClrTx/>
+              <a:buSzTx/>
+              <a:buFont typeface="Wingdings" pitchFamily="2" charset="2"/>
+              <a:buChar char=""/>
+              <a:tabLst/>
+              <a:defRPr/>
+            </a:pPr>
+            <a:r>
+              <a:rPr kumimoji="1" lang="en-US" sz="1200" b="0" i="0" u="none" strike="noStrike" kern="1200" cap="none" spc="0" normalizeH="0" baseline="0" noProof="0" dirty="0" smtClean="0">
+                <a:ln>
+                  <a:noFill/>
+                </a:ln>
+                <a:solidFill>
+                  <a:schemeClr val="tx1"/>
+                </a:solidFill>
+                <a:effectLst/>
+                <a:uLnTx/>
+                <a:uFillTx/>
+                <a:latin typeface="Arial" pitchFamily="34" charset="0"/>
+                <a:ea typeface="+mn-ea"/>
+                <a:cs typeface="Arial" pitchFamily="34" charset="0"/>
+              </a:rPr>
+              <a:t>PBS</a:t>
+            </a:r>
+          </a:p>
+          <a:p>
+            <a:pPr marL="342900" marR="0" lvl="0" indent="-342900" algn="l" defTabSz="914400" rtl="0" eaLnBrk="1" fontAlgn="auto" latinLnBrk="0" hangingPunct="1">
+              <a:lnSpc>
+                <a:spcPct val="100000"/>
+              </a:lnSpc>
+              <a:spcBef>
+                <a:spcPct val="20000"/>
+              </a:spcBef>
+              <a:spcAft>
+                <a:spcPts val="0"/>
+              </a:spcAft>
+              <a:buClrTx/>
+              <a:buSzTx/>
+              <a:buFont typeface="Wingdings" pitchFamily="2" charset="2"/>
+              <a:buChar char=""/>
+              <a:tabLst/>
+              <a:defRPr/>
+            </a:pPr>
+            <a:r>
+              <a:rPr kumimoji="1" lang="en-US" sz="1200" b="0" i="0" u="none" strike="noStrike" kern="1200" cap="none" spc="0" normalizeH="0" baseline="0" noProof="0" dirty="0" smtClean="0">
+                <a:ln>
+                  <a:noFill/>
+                </a:ln>
+                <a:solidFill>
+                  <a:schemeClr val="tx1"/>
+                </a:solidFill>
+                <a:effectLst/>
+                <a:uLnTx/>
+                <a:uFillTx/>
+                <a:latin typeface="Arial" pitchFamily="34" charset="0"/>
+                <a:ea typeface="+mn-ea"/>
+                <a:cs typeface="Arial" pitchFamily="34" charset="0"/>
+              </a:rPr>
+              <a:t>Queue</a:t>
+            </a:r>
+          </a:p>
+          <a:p>
+            <a:pPr marL="342900" marR="0" lvl="0" indent="-342900" algn="l" defTabSz="914400" rtl="0" eaLnBrk="1" fontAlgn="auto" latinLnBrk="0" hangingPunct="1">
+              <a:lnSpc>
+                <a:spcPct val="100000"/>
+              </a:lnSpc>
+              <a:spcBef>
+                <a:spcPct val="20000"/>
+              </a:spcBef>
+              <a:spcAft>
+                <a:spcPts val="0"/>
+              </a:spcAft>
+              <a:buClrTx/>
+              <a:buSzTx/>
+              <a:buFont typeface="Wingdings" pitchFamily="2" charset="2"/>
+              <a:buChar char=""/>
+              <a:tabLst/>
+              <a:defRPr/>
+            </a:pPr>
+            <a:r>
+              <a:rPr kumimoji="1" lang="en-US" sz="1200" noProof="0" dirty="0" smtClean="0">
+                <a:latin typeface="Arial" pitchFamily="34" charset="0"/>
+                <a:cs typeface="Arial" pitchFamily="34" charset="0"/>
+              </a:rPr>
+              <a:t>Coverage</a:t>
+            </a:r>
+            <a:endParaRPr kumimoji="1" lang="en-US" sz="1200" b="0" i="0" u="none" strike="noStrike" kern="1200" cap="none" spc="0" normalizeH="0" baseline="0" noProof="0" dirty="0" smtClean="0">
+              <a:ln>
+                <a:noFill/>
+              </a:ln>
+              <a:solidFill>
+                <a:schemeClr val="tx1"/>
+              </a:solidFill>
+              <a:effectLst/>
+              <a:uLnTx/>
+              <a:uFillTx/>
+              <a:latin typeface="Arial" pitchFamily="34" charset="0"/>
+              <a:ea typeface="+mn-ea"/>
+              <a:cs typeface="Arial" pitchFamily="34" charset="0"/>
+            </a:endParaRPr>
+          </a:p>
+          <a:p>
+            <a:pPr marL="342900" marR="0" lvl="0" indent="-342900" algn="l" defTabSz="914400" rtl="0" eaLnBrk="1" fontAlgn="auto" latinLnBrk="0" hangingPunct="1">
+              <a:lnSpc>
+                <a:spcPct val="100000"/>
+              </a:lnSpc>
+              <a:spcBef>
+                <a:spcPct val="20000"/>
+              </a:spcBef>
+              <a:spcAft>
+                <a:spcPts val="0"/>
+              </a:spcAft>
+              <a:buClrTx/>
+              <a:buSzTx/>
+              <a:buFont typeface="Wingdings" pitchFamily="2" charset="2"/>
+              <a:buChar char=""/>
+              <a:tabLst/>
+              <a:defRPr/>
+            </a:pPr>
+            <a:r>
+              <a:rPr kumimoji="1" lang="en-US" sz="1200" dirty="0" smtClean="0">
+                <a:latin typeface="Arial" pitchFamily="34" charset="0"/>
+                <a:cs typeface="Arial" pitchFamily="34" charset="0"/>
+              </a:rPr>
+              <a:t>VIP Dir Change</a:t>
+            </a:r>
+            <a:endParaRPr kumimoji="1" lang="en-US" sz="1200" b="0" i="0" u="none" strike="noStrike" kern="1200" cap="none" spc="0" normalizeH="0" baseline="0" noProof="0" dirty="0" smtClean="0">
+              <a:ln>
+                <a:noFill/>
+              </a:ln>
+              <a:solidFill>
+                <a:schemeClr val="tx1"/>
+              </a:solidFill>
+              <a:effectLst/>
+              <a:uLnTx/>
+              <a:uFillTx/>
+              <a:latin typeface="Arial" pitchFamily="34" charset="0"/>
+              <a:ea typeface="+mn-ea"/>
+              <a:cs typeface="Arial" pitchFamily="34" charset="0"/>
+            </a:endParaRPr>
+          </a:p>
+          <a:p>
+            <a:pPr marL="342900" marR="0" lvl="0" indent="-342900" algn="l" defTabSz="914400" rtl="0" eaLnBrk="1" fontAlgn="auto" latinLnBrk="0" hangingPunct="1">
+              <a:lnSpc>
+                <a:spcPct val="100000"/>
+              </a:lnSpc>
+              <a:spcBef>
+                <a:spcPct val="20000"/>
+              </a:spcBef>
+              <a:spcAft>
+                <a:spcPts val="0"/>
+              </a:spcAft>
+              <a:buClrTx/>
+              <a:buSzTx/>
+              <a:buFont typeface="Wingdings" pitchFamily="2" charset="2"/>
+              <a:buChar char=""/>
+              <a:tabLst/>
+              <a:defRPr/>
+            </a:pPr>
+            <a:r>
+              <a:rPr kumimoji="1" lang="en-US" sz="1200" dirty="0" smtClean="0">
+                <a:latin typeface="Arial" pitchFamily="34" charset="0"/>
+                <a:cs typeface="Arial" pitchFamily="34" charset="0"/>
+              </a:rPr>
+              <a:t>Lib Link</a:t>
+            </a:r>
+          </a:p>
+          <a:p>
+            <a:pPr marL="342900" marR="0" lvl="0" indent="-342900" algn="l" defTabSz="914400" rtl="0" eaLnBrk="1" fontAlgn="auto" latinLnBrk="0" hangingPunct="1">
+              <a:lnSpc>
+                <a:spcPct val="100000"/>
+              </a:lnSpc>
+              <a:spcBef>
+                <a:spcPct val="20000"/>
+              </a:spcBef>
+              <a:spcAft>
+                <a:spcPts val="0"/>
+              </a:spcAft>
+              <a:buClrTx/>
+              <a:buSzTx/>
+              <a:buFont typeface="Wingdings" pitchFamily="2" charset="2"/>
+              <a:buChar char=""/>
+              <a:tabLst/>
+              <a:defRPr/>
+            </a:pPr>
+            <a:r>
+              <a:rPr kumimoji="1" lang="en-US" sz="1200" b="0" i="0" u="none" strike="noStrike" kern="1200" cap="none" spc="0" normalizeH="0" baseline="0" noProof="0" dirty="0" smtClean="0">
+                <a:ln>
+                  <a:noFill/>
+                </a:ln>
+                <a:solidFill>
+                  <a:schemeClr val="tx1"/>
+                </a:solidFill>
+                <a:effectLst/>
+                <a:uLnTx/>
+                <a:uFillTx/>
+                <a:latin typeface="Arial" pitchFamily="34" charset="0"/>
+                <a:ea typeface="+mn-ea"/>
+                <a:cs typeface="Arial" pitchFamily="34" charset="0"/>
+              </a:rPr>
+              <a:t>Lib</a:t>
+            </a:r>
+            <a:r>
+              <a:rPr kumimoji="1" lang="en-US" sz="1200" b="0" i="0" u="none" strike="noStrike" kern="1200" cap="none" spc="0" normalizeH="0" noProof="0" dirty="0" smtClean="0">
+                <a:ln>
+                  <a:noFill/>
+                </a:ln>
+                <a:solidFill>
+                  <a:schemeClr val="tx1"/>
+                </a:solidFill>
+                <a:effectLst/>
+                <a:uLnTx/>
+                <a:uFillTx/>
+                <a:latin typeface="Arial" pitchFamily="34" charset="0"/>
+                <a:ea typeface="+mn-ea"/>
+                <a:cs typeface="Arial" pitchFamily="34" charset="0"/>
+              </a:rPr>
+              <a:t> Link File</a:t>
+            </a:r>
+          </a:p>
+          <a:p>
+            <a:pPr marL="342900" marR="0" lvl="0" indent="-342900" algn="l" defTabSz="914400" rtl="0" eaLnBrk="1" fontAlgn="auto" latinLnBrk="0" hangingPunct="1">
+              <a:lnSpc>
+                <a:spcPct val="100000"/>
+              </a:lnSpc>
+              <a:spcBef>
+                <a:spcPct val="20000"/>
+              </a:spcBef>
+              <a:spcAft>
+                <a:spcPts val="0"/>
+              </a:spcAft>
+              <a:buClrTx/>
+              <a:buSzTx/>
+              <a:buFont typeface="Wingdings" pitchFamily="2" charset="2"/>
+              <a:buChar char=""/>
+              <a:tabLst/>
+              <a:defRPr/>
+            </a:pPr>
+            <a:r>
+              <a:rPr kumimoji="1" lang="en-US" sz="1200" dirty="0" smtClean="0">
+                <a:latin typeface="Arial" pitchFamily="34" charset="0"/>
+                <a:cs typeface="Arial" pitchFamily="34" charset="0"/>
+              </a:rPr>
+              <a:t>Language (Verification)</a:t>
+            </a:r>
+            <a:endParaRPr kumimoji="1" lang="en-US" sz="1200" b="0" i="0" u="none" strike="noStrike" kern="1200" cap="none" spc="0" normalizeH="0" noProof="0" dirty="0" smtClean="0">
+              <a:ln>
+                <a:noFill/>
+              </a:ln>
+              <a:solidFill>
+                <a:schemeClr val="tx1"/>
+              </a:solidFill>
+              <a:effectLst/>
+              <a:uLnTx/>
+              <a:uFillTx/>
+              <a:latin typeface="Arial" pitchFamily="34" charset="0"/>
+              <a:ea typeface="+mn-ea"/>
+              <a:cs typeface="Arial" pitchFamily="34" charset="0"/>
+            </a:endParaRPr>
+          </a:p>
+          <a:p>
+            <a:pPr marL="342900" marR="0" lvl="0" indent="-342900" algn="l" defTabSz="914400" rtl="0" eaLnBrk="1" fontAlgn="auto" latinLnBrk="0" hangingPunct="1">
+              <a:lnSpc>
+                <a:spcPct val="100000"/>
+              </a:lnSpc>
+              <a:spcBef>
+                <a:spcPct val="20000"/>
+              </a:spcBef>
+              <a:spcAft>
+                <a:spcPts val="0"/>
+              </a:spcAft>
+              <a:buClrTx/>
+              <a:buSzTx/>
+              <a:buFont typeface="Wingdings" pitchFamily="2" charset="2"/>
+              <a:buChar char=""/>
+              <a:tabLst/>
+              <a:defRPr/>
+            </a:pPr>
+            <a:r>
+              <a:rPr kumimoji="1" lang="en-US" sz="1200" baseline="0" dirty="0" smtClean="0">
+                <a:latin typeface="Arial" pitchFamily="34" charset="0"/>
+                <a:cs typeface="Arial" pitchFamily="34" charset="0"/>
+              </a:rPr>
+              <a:t>Help</a:t>
+            </a:r>
+            <a:r>
+              <a:rPr kumimoji="1" lang="en-US" sz="1200" dirty="0" smtClean="0">
+                <a:latin typeface="Arial" pitchFamily="34" charset="0"/>
+                <a:cs typeface="Arial" pitchFamily="34" charset="0"/>
+              </a:rPr>
+              <a:t> </a:t>
+            </a:r>
+          </a:p>
+          <a:p>
+            <a:pPr marL="342900" marR="0" lvl="0" indent="-342900" algn="l" defTabSz="914400" rtl="0" eaLnBrk="1" fontAlgn="auto" latinLnBrk="0" hangingPunct="1">
+              <a:lnSpc>
+                <a:spcPct val="100000"/>
+              </a:lnSpc>
+              <a:spcBef>
+                <a:spcPct val="20000"/>
+              </a:spcBef>
+              <a:spcAft>
+                <a:spcPts val="0"/>
+              </a:spcAft>
+              <a:buClrTx/>
+              <a:buSzTx/>
+              <a:buFont typeface="Wingdings" pitchFamily="2" charset="2"/>
+              <a:buChar char=""/>
+              <a:tabLst/>
+              <a:defRPr/>
+            </a:pPr>
+            <a:r>
+              <a:rPr kumimoji="1" lang="en-US" sz="1200" b="0" i="0" u="none" strike="noStrike" kern="1200" cap="none" spc="0" normalizeH="0" baseline="0" noProof="0" dirty="0" smtClean="0">
+                <a:ln>
+                  <a:noFill/>
+                </a:ln>
+                <a:solidFill>
+                  <a:schemeClr val="tx1"/>
+                </a:solidFill>
+                <a:effectLst/>
+                <a:uLnTx/>
+                <a:uFillTx/>
+                <a:latin typeface="Arial" pitchFamily="34" charset="0"/>
+                <a:ea typeface="+mn-ea"/>
+                <a:cs typeface="Arial" pitchFamily="34" charset="0"/>
+              </a:rPr>
+              <a:t>Readme</a:t>
+            </a:r>
+            <a:endParaRPr kumimoji="1" lang="en-US" sz="1200" b="0" i="0" u="none" strike="noStrike" kern="1200" cap="none" spc="0" normalizeH="0" baseline="0" noProof="0" dirty="0">
+              <a:ln>
+                <a:noFill/>
+              </a:ln>
+              <a:solidFill>
+                <a:schemeClr val="tx1"/>
+              </a:solidFill>
+              <a:effectLst/>
+              <a:uLnTx/>
+              <a:uFillTx/>
+              <a:latin typeface="Arial" pitchFamily="34" charset="0"/>
+              <a:ea typeface="+mn-ea"/>
+              <a:cs typeface="Arial" pitchFamily="34" charset="0"/>
+            </a:endParaRPr>
+          </a:p>
+        </p:txBody>
+      </p:sp>
+    </p:spTree>
+  </p:cSld>
+  <p:clrMapOvr>
+    <a:masterClrMapping/>
+  </p:clrMapOvr>
+  <p:timing>
+    <p:tnLst>
+      <p:par>
+        <p:cTn id="1" dur="indefinite" restart="never" nodeType="tmRoot"/>
+      </p:par>
+    </p:tnLst>
+  </p:timing>
+</p:sld>
+</file>
+
+<file path=ppt/slides/slide16.xml><?xml version="1.0" encoding="utf-8"?>
+<p:sld xmlns:a="http://schemas.openxmlformats.org/drawingml/2006/main" xmlns:r="http://schemas.openxmlformats.org/officeDocument/2006/relationships" xmlns:p="http://schemas.openxmlformats.org/presentationml/2006/main">
+  <p:cSld>
+    <p:spTree>
+      <p:nvGrpSpPr>
+        <p:cNvPr id="1" name=""/>
+        <p:cNvGrpSpPr/>
+        <p:nvPr/>
+      </p:nvGrpSpPr>
+      <p:grpSpPr>
+        <a:xfrm>
+          <a:off x="0" y="0"/>
+          <a:ext cx="0" cy="0"/>
+          <a:chOff x="0" y="0"/>
+          <a:chExt cx="0" cy="0"/>
+        </a:xfrm>
+      </p:grpSpPr>
+      <p:sp>
+        <p:nvSpPr>
+          <p:cNvPr id="2" name="Title 1"/>
+          <p:cNvSpPr>
+            <a:spLocks noGrp="1"/>
+          </p:cNvSpPr>
+          <p:nvPr>
+            <p:ph type="title"/>
+          </p:nvPr>
+        </p:nvSpPr>
+        <p:spPr/>
+        <p:txBody>
+          <a:bodyPr/>
+          <a:lstStyle/>
+          <a:p>
+            <a:r>
+              <a:rPr lang="en-US" dirty="0" smtClean="0"/>
+              <a:t>EXECUTION PROCEDURE </a:t>
+            </a:r>
+            <a:endParaRPr lang="en-US" dirty="0"/>
+          </a:p>
+        </p:txBody>
+      </p:sp>
+      <p:sp>
+        <p:nvSpPr>
+          <p:cNvPr id="3" name="Content Placeholder 2"/>
+          <p:cNvSpPr>
+            <a:spLocks noGrp="1"/>
+          </p:cNvSpPr>
+          <p:nvPr>
+            <p:ph idx="1"/>
+          </p:nvPr>
+        </p:nvSpPr>
+        <p:spPr/>
+        <p:txBody>
+          <a:bodyPr/>
+          <a:lstStyle/>
+          <a:p>
+            <a:r>
+              <a:rPr lang="en-US" dirty="0" smtClean="0"/>
+              <a:t>Two methods of executing</a:t>
+            </a:r>
+          </a:p>
+          <a:p>
+            <a:pPr>
+              <a:buNone/>
+            </a:pPr>
+            <a:endParaRPr lang="en-US" dirty="0" smtClean="0"/>
+          </a:p>
+          <a:p>
+            <a:pPr>
+              <a:buFont typeface="Wingdings" pitchFamily="2" charset="2"/>
+              <a:buChar char="Ø"/>
+            </a:pPr>
+            <a:r>
+              <a:rPr lang="en-US" dirty="0" smtClean="0"/>
+              <a:t>Using the command line code</a:t>
+            </a:r>
+          </a:p>
+          <a:p>
+            <a:pPr>
+              <a:buFont typeface="Courier New" pitchFamily="49" charset="0"/>
+              <a:buChar char="o"/>
+            </a:pPr>
+            <a:endParaRPr lang="en-US" dirty="0" smtClean="0"/>
+          </a:p>
+          <a:p>
+            <a:pPr>
+              <a:buFont typeface="Courier New" pitchFamily="49" charset="0"/>
+              <a:buChar char="o"/>
+            </a:pPr>
+            <a:r>
+              <a:rPr lang="en-US" dirty="0" smtClean="0"/>
+              <a:t>For Single Test </a:t>
+            </a:r>
+          </a:p>
+          <a:p>
+            <a:pPr algn="just">
+              <a:buNone/>
+            </a:pPr>
+            <a:r>
+              <a:rPr lang="en-US" b="1" dirty="0" smtClean="0"/>
+              <a:t>	</a:t>
+            </a:r>
+            <a:r>
+              <a:rPr lang="en-US" b="1" dirty="0" err="1" smtClean="0"/>
+              <a:t>perl</a:t>
+            </a:r>
+            <a:r>
+              <a:rPr lang="en-US" dirty="0" smtClean="0"/>
+              <a:t> test.pl </a:t>
+            </a:r>
+            <a:r>
+              <a:rPr lang="en-US" dirty="0" smtClean="0"/>
+              <a:t>-</a:t>
+            </a:r>
+            <a:r>
+              <a:rPr lang="en-US" b="1" dirty="0" err="1" smtClean="0"/>
+              <a:t>vtimescale</a:t>
+            </a:r>
+            <a:r>
+              <a:rPr lang="en-US" dirty="0" smtClean="0"/>
+              <a:t> </a:t>
+            </a:r>
+            <a:r>
+              <a:rPr lang="en-US" dirty="0" smtClean="0"/>
+              <a:t>1ns/100fs </a:t>
+            </a:r>
+            <a:r>
+              <a:rPr lang="en-US" dirty="0" smtClean="0"/>
+              <a:t>-</a:t>
+            </a:r>
+            <a:r>
+              <a:rPr lang="en-US" b="1" dirty="0" smtClean="0"/>
+              <a:t>tool</a:t>
+            </a:r>
+            <a:r>
+              <a:rPr lang="en-US" dirty="0" smtClean="0"/>
+              <a:t> </a:t>
+            </a:r>
+            <a:r>
+              <a:rPr lang="en-US" dirty="0" err="1" smtClean="0"/>
+              <a:t>ncsim</a:t>
+            </a:r>
+            <a:r>
+              <a:rPr lang="en-US" dirty="0" smtClean="0"/>
+              <a:t> -</a:t>
+            </a:r>
+            <a:r>
+              <a:rPr lang="en-US" b="1" dirty="0" err="1" smtClean="0"/>
+              <a:t>ftb</a:t>
+            </a:r>
+            <a:r>
+              <a:rPr lang="en-US" dirty="0" smtClean="0"/>
+              <a:t> tb_list.txt -</a:t>
+            </a:r>
+            <a:r>
+              <a:rPr lang="en-US" b="1" dirty="0" smtClean="0"/>
+              <a:t>inc</a:t>
+            </a:r>
+            <a:r>
+              <a:rPr lang="en-US" dirty="0" smtClean="0"/>
+              <a:t> inclist.txt -</a:t>
+            </a:r>
+            <a:r>
+              <a:rPr lang="en-US" b="1" dirty="0" err="1" smtClean="0"/>
+              <a:t>frtl</a:t>
+            </a:r>
+            <a:r>
+              <a:rPr lang="en-US" dirty="0" smtClean="0"/>
+              <a:t> </a:t>
+            </a:r>
+            <a:r>
+              <a:rPr lang="en-US" dirty="0" err="1" smtClean="0"/>
+              <a:t>files.f</a:t>
+            </a:r>
+            <a:r>
+              <a:rPr lang="en-US" dirty="0" smtClean="0"/>
+              <a:t> </a:t>
+            </a:r>
+            <a:r>
+              <a:rPr lang="en-US" dirty="0" smtClean="0"/>
+              <a:t>–</a:t>
+            </a:r>
+            <a:r>
+              <a:rPr lang="en-US" b="1" dirty="0" smtClean="0"/>
+              <a:t>test</a:t>
+            </a:r>
+            <a:r>
+              <a:rPr lang="en-US" dirty="0" smtClean="0"/>
+              <a:t> </a:t>
+            </a:r>
+            <a:r>
+              <a:rPr lang="en-US" dirty="0" err="1" smtClean="0"/>
+              <a:t>top_test</a:t>
+            </a:r>
+            <a:r>
+              <a:rPr lang="en-US" dirty="0" smtClean="0"/>
+              <a:t> </a:t>
+            </a:r>
+            <a:r>
+              <a:rPr lang="en-US" dirty="0" smtClean="0"/>
+              <a:t>-</a:t>
+            </a:r>
+            <a:r>
+              <a:rPr lang="en-US" b="1" dirty="0" err="1" smtClean="0"/>
+              <a:t>sim_mode</a:t>
+            </a:r>
+            <a:r>
+              <a:rPr lang="en-US" dirty="0" smtClean="0"/>
+              <a:t> </a:t>
+            </a:r>
+            <a:r>
+              <a:rPr lang="en-US" dirty="0" err="1" smtClean="0"/>
+              <a:t>ncsim</a:t>
+            </a:r>
+            <a:r>
+              <a:rPr lang="en-US" dirty="0" smtClean="0"/>
+              <a:t> </a:t>
+            </a:r>
+            <a:r>
+              <a:rPr lang="en-US" dirty="0" smtClean="0"/>
+              <a:t>-</a:t>
+            </a:r>
+            <a:r>
+              <a:rPr lang="en-US" b="1" dirty="0" err="1" smtClean="0"/>
+              <a:t>vip_library</a:t>
+            </a:r>
+            <a:r>
+              <a:rPr lang="en-US" dirty="0" smtClean="0"/>
+              <a:t> </a:t>
+            </a:r>
+            <a:r>
+              <a:rPr lang="en-US" dirty="0" err="1" smtClean="0"/>
+              <a:t>vip_lib_content.fl</a:t>
+            </a:r>
+            <a:r>
+              <a:rPr lang="en-US" dirty="0" smtClean="0"/>
+              <a:t> -</a:t>
+            </a:r>
+            <a:r>
+              <a:rPr lang="en-US" b="1" dirty="0" err="1" smtClean="0"/>
+              <a:t>deflist</a:t>
+            </a:r>
+            <a:r>
+              <a:rPr lang="en-US" dirty="0" smtClean="0"/>
+              <a:t> </a:t>
+            </a:r>
+            <a:r>
+              <a:rPr lang="en-US" dirty="0" err="1" smtClean="0"/>
+              <a:t>deflist.fl</a:t>
+            </a:r>
+            <a:r>
+              <a:rPr lang="en-US" dirty="0" smtClean="0"/>
+              <a:t> -</a:t>
+            </a:r>
+            <a:r>
+              <a:rPr lang="en-US" b="1" dirty="0" smtClean="0"/>
+              <a:t>options</a:t>
+            </a:r>
+            <a:r>
+              <a:rPr lang="en-US" dirty="0" smtClean="0"/>
+              <a:t> </a:t>
+            </a:r>
+            <a:r>
+              <a:rPr lang="en-US" dirty="0" err="1" smtClean="0"/>
+              <a:t>options.fl</a:t>
+            </a:r>
+            <a:r>
+              <a:rPr lang="en-US" dirty="0" smtClean="0"/>
+              <a:t> -</a:t>
+            </a:r>
+            <a:r>
+              <a:rPr lang="en-US" b="1" dirty="0" err="1" smtClean="0"/>
+              <a:t>opt_error</a:t>
+            </a:r>
+            <a:r>
+              <a:rPr lang="en-US" dirty="0" smtClean="0"/>
+              <a:t> </a:t>
+            </a:r>
+            <a:r>
+              <a:rPr lang="en-US" dirty="0" err="1" smtClean="0"/>
+              <a:t>error.fl</a:t>
+            </a:r>
+            <a:r>
+              <a:rPr lang="en-US" dirty="0" smtClean="0"/>
+              <a:t> -</a:t>
+            </a:r>
+            <a:r>
+              <a:rPr lang="en-US" b="1" dirty="0" smtClean="0"/>
+              <a:t>language</a:t>
+            </a:r>
+            <a:r>
+              <a:rPr lang="en-US" dirty="0" smtClean="0"/>
+              <a:t> </a:t>
+            </a:r>
+            <a:r>
+              <a:rPr lang="en-US" dirty="0" smtClean="0"/>
+              <a:t>UVM -</a:t>
+            </a:r>
+            <a:r>
+              <a:rPr lang="en-US" b="1" dirty="0" err="1" smtClean="0"/>
+              <a:t>gui</a:t>
+            </a:r>
+            <a:r>
+              <a:rPr lang="en-US" b="1" dirty="0" smtClean="0"/>
+              <a:t> </a:t>
+            </a:r>
+            <a:r>
+              <a:rPr lang="en-US" dirty="0" smtClean="0"/>
+              <a:t>-</a:t>
+            </a:r>
+            <a:r>
+              <a:rPr lang="en-US" b="1" dirty="0" smtClean="0"/>
+              <a:t>excel</a:t>
+            </a:r>
+            <a:r>
+              <a:rPr lang="en-US" dirty="0" smtClean="0"/>
+              <a:t> </a:t>
+            </a:r>
+            <a:endParaRPr lang="en-US" b="1" dirty="0" smtClean="0"/>
+          </a:p>
+          <a:p>
+            <a:pPr>
+              <a:buFont typeface="Courier New" pitchFamily="49" charset="0"/>
+              <a:buChar char="o"/>
+            </a:pPr>
+            <a:r>
+              <a:rPr lang="en-US" dirty="0" smtClean="0"/>
+              <a:t>For Regression </a:t>
+            </a:r>
+          </a:p>
+          <a:p>
+            <a:pPr>
+              <a:buNone/>
+            </a:pPr>
+            <a:r>
+              <a:rPr lang="en-US" dirty="0" smtClean="0"/>
+              <a:t>	</a:t>
+            </a:r>
+            <a:r>
+              <a:rPr lang="en-US" b="1" dirty="0" err="1" smtClean="0"/>
+              <a:t>perl</a:t>
+            </a:r>
+            <a:r>
+              <a:rPr lang="en-US" dirty="0" smtClean="0"/>
+              <a:t> test.pl –</a:t>
+            </a:r>
+            <a:r>
+              <a:rPr lang="en-US" b="1" dirty="0" err="1" smtClean="0"/>
+              <a:t>vtimescale</a:t>
+            </a:r>
+            <a:r>
+              <a:rPr lang="en-US" dirty="0" smtClean="0"/>
+              <a:t> 1ns/100fs </a:t>
+            </a:r>
+            <a:r>
+              <a:rPr lang="en-US" dirty="0" smtClean="0"/>
+              <a:t>-</a:t>
+            </a:r>
+            <a:r>
+              <a:rPr lang="en-US" b="1" dirty="0" smtClean="0"/>
+              <a:t>tool</a:t>
+            </a:r>
+            <a:r>
+              <a:rPr lang="en-US" dirty="0" smtClean="0"/>
+              <a:t> </a:t>
+            </a:r>
+            <a:r>
+              <a:rPr lang="en-US" dirty="0" err="1" smtClean="0"/>
+              <a:t>ncsim</a:t>
+            </a:r>
+            <a:r>
+              <a:rPr lang="en-US" dirty="0" smtClean="0"/>
+              <a:t> -</a:t>
+            </a:r>
+            <a:r>
+              <a:rPr lang="en-US" b="1" dirty="0" err="1" smtClean="0"/>
+              <a:t>ftb</a:t>
+            </a:r>
+            <a:r>
+              <a:rPr lang="en-US" dirty="0" smtClean="0"/>
+              <a:t> tb_list.txt -</a:t>
+            </a:r>
+            <a:r>
+              <a:rPr lang="en-US" b="1" dirty="0" smtClean="0"/>
+              <a:t>inc</a:t>
+            </a:r>
+            <a:r>
+              <a:rPr lang="en-US" dirty="0" smtClean="0"/>
+              <a:t> inclist.txt -</a:t>
+            </a:r>
+            <a:r>
+              <a:rPr lang="en-US" b="1" dirty="0" err="1" smtClean="0"/>
+              <a:t>frtl</a:t>
+            </a:r>
+            <a:r>
+              <a:rPr lang="en-US" dirty="0" smtClean="0"/>
+              <a:t> </a:t>
+            </a:r>
+            <a:r>
+              <a:rPr lang="en-US" dirty="0" err="1" smtClean="0"/>
+              <a:t>files.f</a:t>
+            </a:r>
+            <a:r>
+              <a:rPr lang="en-US" dirty="0" smtClean="0"/>
+              <a:t> </a:t>
+            </a:r>
+            <a:r>
+              <a:rPr lang="en-US" dirty="0" smtClean="0"/>
+              <a:t>-</a:t>
+            </a:r>
+            <a:r>
+              <a:rPr lang="en-US" b="1" dirty="0" err="1" smtClean="0"/>
+              <a:t>reg</a:t>
+            </a:r>
+            <a:r>
+              <a:rPr lang="en-US" dirty="0" smtClean="0"/>
+              <a:t> </a:t>
+            </a:r>
+            <a:r>
+              <a:rPr lang="en-US" dirty="0" err="1" smtClean="0"/>
+              <a:t>reglist.fl</a:t>
+            </a:r>
+            <a:r>
+              <a:rPr lang="en-US" dirty="0" smtClean="0"/>
+              <a:t> -</a:t>
+            </a:r>
+            <a:r>
+              <a:rPr lang="en-US" b="1" dirty="0" err="1" smtClean="0"/>
+              <a:t>sim_mode</a:t>
+            </a:r>
+            <a:r>
+              <a:rPr lang="en-US" dirty="0" smtClean="0"/>
+              <a:t> </a:t>
+            </a:r>
+            <a:r>
+              <a:rPr lang="en-US" dirty="0" err="1" smtClean="0"/>
+              <a:t>modelsim</a:t>
+            </a:r>
+            <a:r>
+              <a:rPr lang="en-US" dirty="0" smtClean="0"/>
+              <a:t> -</a:t>
+            </a:r>
+            <a:r>
+              <a:rPr lang="en-US" b="1" dirty="0" err="1" smtClean="0"/>
+              <a:t>vip_library</a:t>
+            </a:r>
+            <a:r>
+              <a:rPr lang="en-US" dirty="0" smtClean="0"/>
+              <a:t> </a:t>
+            </a:r>
+            <a:r>
+              <a:rPr lang="en-US" dirty="0" err="1" smtClean="0"/>
+              <a:t>vip_lib_content.fl</a:t>
+            </a:r>
+            <a:r>
+              <a:rPr lang="en-US" dirty="0" smtClean="0"/>
+              <a:t> -</a:t>
+            </a:r>
+            <a:r>
+              <a:rPr lang="en-US" b="1" dirty="0" err="1" smtClean="0"/>
+              <a:t>deflist</a:t>
+            </a:r>
+            <a:r>
+              <a:rPr lang="en-US" dirty="0" smtClean="0"/>
+              <a:t> </a:t>
+            </a:r>
+            <a:r>
+              <a:rPr lang="en-US" dirty="0" err="1" smtClean="0"/>
+              <a:t>deflist.fl</a:t>
+            </a:r>
+            <a:r>
+              <a:rPr lang="en-US" dirty="0" smtClean="0"/>
+              <a:t> -</a:t>
+            </a:r>
+            <a:r>
+              <a:rPr lang="en-US" b="1" dirty="0" smtClean="0"/>
+              <a:t>options</a:t>
+            </a:r>
+            <a:r>
+              <a:rPr lang="en-US" dirty="0" smtClean="0"/>
+              <a:t> </a:t>
+            </a:r>
+            <a:r>
+              <a:rPr lang="en-US" dirty="0" err="1" smtClean="0"/>
+              <a:t>options.fl</a:t>
+            </a:r>
+            <a:r>
+              <a:rPr lang="en-US" dirty="0" smtClean="0"/>
+              <a:t> -</a:t>
+            </a:r>
+            <a:r>
+              <a:rPr lang="en-US" b="1" dirty="0" err="1" smtClean="0"/>
+              <a:t>opt_error</a:t>
+            </a:r>
+            <a:r>
+              <a:rPr lang="en-US" dirty="0" smtClean="0"/>
+              <a:t> </a:t>
+            </a:r>
+            <a:r>
+              <a:rPr lang="en-US" dirty="0" err="1" smtClean="0"/>
+              <a:t>error.fl</a:t>
+            </a:r>
+            <a:r>
+              <a:rPr lang="en-US" dirty="0" smtClean="0"/>
+              <a:t> -</a:t>
+            </a:r>
+            <a:r>
+              <a:rPr lang="en-US" b="1" dirty="0" smtClean="0"/>
+              <a:t>language</a:t>
+            </a:r>
+            <a:r>
+              <a:rPr lang="en-US" dirty="0" smtClean="0"/>
+              <a:t> O</a:t>
+            </a:r>
+            <a:r>
+              <a:rPr lang="en-US" dirty="0" smtClean="0"/>
+              <a:t>VM –</a:t>
+            </a:r>
+            <a:r>
+              <a:rPr lang="en-US" b="1" dirty="0" err="1" smtClean="0"/>
+              <a:t>pbs</a:t>
+            </a:r>
+            <a:r>
+              <a:rPr lang="en-US" dirty="0" smtClean="0"/>
+              <a:t> –</a:t>
+            </a:r>
+            <a:r>
+              <a:rPr lang="en-US" b="1" dirty="0" err="1" smtClean="0"/>
+              <a:t>no_of_licenses</a:t>
+            </a:r>
+            <a:r>
+              <a:rPr lang="en-US" dirty="0" smtClean="0"/>
+              <a:t> 2 -</a:t>
+            </a:r>
+            <a:r>
+              <a:rPr lang="en-US" b="1" dirty="0" smtClean="0"/>
+              <a:t>excel</a:t>
+            </a:r>
+            <a:endParaRPr lang="en-US" b="1" dirty="0" smtClean="0"/>
+          </a:p>
+          <a:p>
+            <a:pPr>
+              <a:buNone/>
+            </a:pPr>
+            <a:endParaRPr lang="en-US" b="1" dirty="0" smtClean="0"/>
+          </a:p>
+          <a:p>
+            <a:pPr>
+              <a:buNone/>
+            </a:pPr>
+            <a:endParaRPr lang="en-US" b="1" dirty="0" smtClean="0"/>
+          </a:p>
+          <a:p>
+            <a:pPr>
+              <a:buFont typeface="Wingdings" pitchFamily="2" charset="2"/>
+              <a:buChar char="Ø"/>
+            </a:pPr>
+            <a:r>
+              <a:rPr lang="en-US" dirty="0" smtClean="0"/>
+              <a:t>Using the </a:t>
+            </a:r>
+            <a:r>
+              <a:rPr lang="en-US" b="1" dirty="0" err="1" smtClean="0"/>
+              <a:t>makefile</a:t>
+            </a:r>
+            <a:r>
+              <a:rPr lang="en-US" b="1" dirty="0" smtClean="0"/>
+              <a:t>/Makefile</a:t>
+            </a:r>
+          </a:p>
+          <a:p>
+            <a:pPr>
+              <a:buNone/>
+            </a:pPr>
+            <a:r>
+              <a:rPr lang="en-US" dirty="0" smtClean="0"/>
+              <a:t>	</a:t>
+            </a:r>
+            <a:endParaRPr lang="en-US" dirty="0" smtClean="0"/>
+          </a:p>
+          <a:p>
+            <a:pPr>
+              <a:buFont typeface="Courier New" pitchFamily="49" charset="0"/>
+              <a:buChar char="o"/>
+            </a:pPr>
+            <a:r>
+              <a:rPr lang="en-US" dirty="0" smtClean="0"/>
+              <a:t>make single</a:t>
+            </a:r>
+          </a:p>
+          <a:p>
+            <a:pPr>
+              <a:buFont typeface="Courier New" pitchFamily="49" charset="0"/>
+              <a:buChar char="o"/>
+            </a:pPr>
+            <a:r>
+              <a:rPr lang="en-US" dirty="0" smtClean="0"/>
+              <a:t>make </a:t>
+            </a:r>
+            <a:r>
+              <a:rPr lang="en-US" dirty="0" err="1" smtClean="0"/>
+              <a:t>reg</a:t>
+            </a:r>
+            <a:r>
+              <a:rPr lang="en-US" dirty="0" smtClean="0"/>
+              <a:t>_</a:t>
+            </a:r>
+          </a:p>
+          <a:p>
+            <a:pPr>
+              <a:buFont typeface="Courier New" pitchFamily="49" charset="0"/>
+              <a:buChar char="o"/>
+            </a:pPr>
+            <a:r>
+              <a:rPr lang="en-US" dirty="0" smtClean="0"/>
+              <a:t>make –C ../scripts </a:t>
+            </a:r>
+            <a:r>
+              <a:rPr lang="en-US" dirty="0" err="1" smtClean="0"/>
+              <a:t>reg_pbs_excel</a:t>
+            </a:r>
+            <a:endParaRPr lang="en-US" dirty="0" smtClean="0"/>
+          </a:p>
+          <a:p>
+            <a:pPr>
+              <a:buNone/>
+            </a:pPr>
+            <a:r>
+              <a:rPr lang="en-US" dirty="0" smtClean="0"/>
+              <a:t>	</a:t>
+            </a:r>
+            <a:endParaRPr lang="en-US" dirty="0" smtClean="0"/>
+          </a:p>
+        </p:txBody>
+      </p:sp>
+    </p:spTree>
+  </p:cSld>
+  <p:clrMapOvr>
+    <a:masterClrMapping/>
+  </p:clrMapOvr>
+  <p:timing>
+    <p:tnLst>
+      <p:par>
+        <p:cTn id="1" dur="indefinite" restart="never" nodeType="tmRoot"/>
+      </p:par>
+    </p:tnLst>
+  </p:timing>
+</p:sld>
+</file>
+
+<file path=ppt/slides/slide17.xml><?xml version="1.0" encoding="utf-8"?>
+<p:sld xmlns:a="http://schemas.openxmlformats.org/drawingml/2006/main" xmlns:r="http://schemas.openxmlformats.org/officeDocument/2006/relationships" xmlns:p="http://schemas.openxmlformats.org/presentationml/2006/main">
+  <p:cSld>
+    <p:spTree>
+      <p:nvGrpSpPr>
+        <p:cNvPr id="1" name=""/>
+        <p:cNvGrpSpPr/>
+        <p:nvPr/>
+      </p:nvGrpSpPr>
+      <p:grpSpPr>
+        <a:xfrm>
+          <a:off x="0" y="0"/>
+          <a:ext cx="0" cy="0"/>
+          <a:chOff x="0" y="0"/>
+          <a:chExt cx="0" cy="0"/>
+        </a:xfrm>
+      </p:grpSpPr>
+      <p:sp>
+        <p:nvSpPr>
+          <p:cNvPr id="2" name="Title 1"/>
+          <p:cNvSpPr>
+            <a:spLocks noGrp="1"/>
+          </p:cNvSpPr>
+          <p:nvPr>
+            <p:ph type="title"/>
+          </p:nvPr>
+        </p:nvSpPr>
+        <p:spPr/>
+        <p:txBody>
+          <a:bodyPr/>
+          <a:lstStyle/>
+          <a:p>
+            <a:r>
+              <a:rPr lang="en-US" dirty="0" smtClean="0"/>
+              <a:t>MAKEFILE</a:t>
+            </a:r>
+            <a:endParaRPr lang="en-US" dirty="0"/>
+          </a:p>
+        </p:txBody>
+      </p:sp>
+      <p:sp>
+        <p:nvSpPr>
+          <p:cNvPr id="3" name="Content Placeholder 2"/>
+          <p:cNvSpPr>
+            <a:spLocks noGrp="1"/>
+          </p:cNvSpPr>
+          <p:nvPr>
+            <p:ph idx="1"/>
+          </p:nvPr>
+        </p:nvSpPr>
+        <p:spPr>
+          <a:xfrm>
+            <a:off x="381000" y="1524000"/>
+            <a:ext cx="8229600" cy="914399"/>
+          </a:xfrm>
+        </p:spPr>
+        <p:txBody>
+          <a:bodyPr/>
+          <a:lstStyle/>
+          <a:p>
+            <a:pPr algn="ctr">
+              <a:buNone/>
+            </a:pPr>
+            <a:r>
+              <a:rPr lang="en-US" sz="1600" dirty="0" smtClean="0"/>
+              <a:t>This is a feature of Linux that contains the command line code the file. This makes the execution easier as a lot is not necessary to be written in the command line. </a:t>
+            </a:r>
+          </a:p>
+          <a:p>
+            <a:endParaRPr lang="en-US" dirty="0" smtClean="0"/>
+          </a:p>
+          <a:p>
+            <a:pPr>
+              <a:buNone/>
+            </a:pPr>
+            <a:endParaRPr lang="en-US" dirty="0"/>
+          </a:p>
+        </p:txBody>
+      </p:sp>
+      <p:pic>
+        <p:nvPicPr>
+          <p:cNvPr id="2050" name="Picture 2" descr="D:\Screenshot-12.png"/>
+          <p:cNvPicPr>
+            <a:picLocks noChangeAspect="1" noChangeArrowheads="1"/>
+          </p:cNvPicPr>
+          <p:nvPr/>
+        </p:nvPicPr>
+        <p:blipFill>
+          <a:blip r:embed="rId2" cstate="print"/>
+          <a:srcRect/>
+          <a:stretch>
+            <a:fillRect/>
+          </a:stretch>
+        </p:blipFill>
+        <p:spPr bwMode="auto">
+          <a:xfrm>
+            <a:off x="228600" y="2667000"/>
+            <a:ext cx="8686800" cy="3056920"/>
+          </a:xfrm>
+          <a:prstGeom prst="rect">
+            <a:avLst/>
+          </a:prstGeom>
+          <a:noFill/>
+        </p:spPr>
+      </p:pic>
+    </p:spTree>
+  </p:cSld>
+  <p:clrMapOvr>
+    <a:masterClrMapping/>
+  </p:clrMapOvr>
+  <p:timing>
+    <p:tnLst>
+      <p:par>
+        <p:cTn id="1" dur="indefinite" restart="never" nodeType="tmRoot"/>
+      </p:par>
+    </p:tnLst>
+  </p:timing>
+</p:sld>
+</file>
+
+<file path=ppt/slides/slide18.xml><?xml version="1.0" encoding="utf-8"?>
+<p:sld xmlns:a="http://schemas.openxmlformats.org/drawingml/2006/main" xmlns:r="http://schemas.openxmlformats.org/officeDocument/2006/relationships" xmlns:p="http://schemas.openxmlformats.org/presentationml/2006/main">
+  <p:cSld>
+    <p:spTree>
+      <p:nvGrpSpPr>
+        <p:cNvPr id="1" name=""/>
+        <p:cNvGrpSpPr/>
+        <p:nvPr/>
+      </p:nvGrpSpPr>
+      <p:grpSpPr>
+        <a:xfrm>
+          <a:off x="0" y="0"/>
+          <a:ext cx="0" cy="0"/>
+          <a:chOff x="0" y="0"/>
+          <a:chExt cx="0" cy="0"/>
+        </a:xfrm>
+      </p:grpSpPr>
+      <p:sp>
+        <p:nvSpPr>
+          <p:cNvPr id="2" name="Title 1"/>
+          <p:cNvSpPr>
+            <a:spLocks noGrp="1"/>
+          </p:cNvSpPr>
+          <p:nvPr>
+            <p:ph type="title"/>
+          </p:nvPr>
+        </p:nvSpPr>
+        <p:spPr/>
+        <p:txBody>
+          <a:bodyPr/>
+          <a:lstStyle/>
+          <a:p>
+            <a:r>
+              <a:rPr lang="en-US" dirty="0" smtClean="0"/>
+              <a:t>REGLIST</a:t>
+            </a:r>
+            <a:endParaRPr lang="en-US" dirty="0"/>
+          </a:p>
+        </p:txBody>
+      </p:sp>
+      <p:sp>
+        <p:nvSpPr>
+          <p:cNvPr id="3" name="Content Placeholder 2"/>
+          <p:cNvSpPr>
+            <a:spLocks noGrp="1"/>
+          </p:cNvSpPr>
+          <p:nvPr>
+            <p:ph idx="1"/>
+          </p:nvPr>
+        </p:nvSpPr>
+        <p:spPr>
+          <a:xfrm>
+            <a:off x="457200" y="1600201"/>
+            <a:ext cx="8229600" cy="761999"/>
+          </a:xfrm>
+        </p:spPr>
+        <p:txBody>
+          <a:bodyPr>
+            <a:normAutofit/>
+          </a:bodyPr>
+          <a:lstStyle/>
+          <a:p>
+            <a:pPr algn="ctr">
+              <a:buNone/>
+            </a:pPr>
+            <a:r>
+              <a:rPr lang="en-US" sz="1600" dirty="0" smtClean="0"/>
+              <a:t>This contains the list of the testcases name that are to be used for running the regression list. This file can be stored in any kind of file extension.</a:t>
+            </a:r>
+            <a:endParaRPr lang="en-US" sz="1600" dirty="0"/>
+          </a:p>
+        </p:txBody>
+      </p:sp>
+      <p:pic>
+        <p:nvPicPr>
+          <p:cNvPr id="5123" name="Picture 3" descr="D:\Screenshot-20.png"/>
+          <p:cNvPicPr>
+            <a:picLocks noChangeAspect="1" noChangeArrowheads="1"/>
+          </p:cNvPicPr>
+          <p:nvPr/>
+        </p:nvPicPr>
+        <p:blipFill>
+          <a:blip r:embed="rId2" cstate="print"/>
+          <a:srcRect/>
+          <a:stretch>
+            <a:fillRect/>
+          </a:stretch>
+        </p:blipFill>
+        <p:spPr bwMode="auto">
+          <a:xfrm>
+            <a:off x="228600" y="2971800"/>
+            <a:ext cx="8915400" cy="1981199"/>
+          </a:xfrm>
+          <a:prstGeom prst="rect">
+            <a:avLst/>
+          </a:prstGeom>
+          <a:noFill/>
+        </p:spPr>
+      </p:pic>
+    </p:spTree>
+  </p:cSld>
+  <p:clrMapOvr>
+    <a:masterClrMapping/>
+  </p:clrMapOvr>
+  <p:timing>
+    <p:tnLst>
+      <p:par>
+        <p:cTn id="1" dur="indefinite" restart="never" nodeType="tmRoot"/>
+      </p:par>
+    </p:tnLst>
+  </p:timing>
+</p:sld>
+</file>
+
+<file path=ppt/slides/slide19.xml><?xml version="1.0" encoding="utf-8"?>
+<p:sld xmlns:a="http://schemas.openxmlformats.org/drawingml/2006/main" xmlns:r="http://schemas.openxmlformats.org/officeDocument/2006/relationships" xmlns:p="http://schemas.openxmlformats.org/presentationml/2006/main">
+  <p:cSld>
+    <p:spTree>
+      <p:nvGrpSpPr>
+        <p:cNvPr id="1" name=""/>
+        <p:cNvGrpSpPr/>
+        <p:nvPr/>
+      </p:nvGrpSpPr>
+      <p:grpSpPr>
+        <a:xfrm>
+          <a:off x="0" y="0"/>
+          <a:ext cx="0" cy="0"/>
+          <a:chOff x="0" y="0"/>
+          <a:chExt cx="0" cy="0"/>
+        </a:xfrm>
+      </p:grpSpPr>
+      <p:sp>
+        <p:nvSpPr>
+          <p:cNvPr id="2" name="Title 1"/>
+          <p:cNvSpPr>
+            <a:spLocks noGrp="1"/>
+          </p:cNvSpPr>
+          <p:nvPr>
+            <p:ph type="title"/>
+          </p:nvPr>
+        </p:nvSpPr>
+        <p:spPr/>
+        <p:txBody>
+          <a:bodyPr/>
+          <a:lstStyle/>
+          <a:p>
+            <a:r>
+              <a:rPr lang="en-US" dirty="0" smtClean="0"/>
+              <a:t>INCLIST</a:t>
+            </a:r>
+            <a:endParaRPr lang="en-US" dirty="0"/>
+          </a:p>
+        </p:txBody>
+      </p:sp>
+      <p:sp>
+        <p:nvSpPr>
+          <p:cNvPr id="3" name="Content Placeholder 2"/>
+          <p:cNvSpPr>
+            <a:spLocks noGrp="1"/>
+          </p:cNvSpPr>
+          <p:nvPr>
+            <p:ph idx="1"/>
+          </p:nvPr>
+        </p:nvSpPr>
+        <p:spPr>
+          <a:xfrm>
+            <a:off x="457200" y="1600201"/>
+            <a:ext cx="8229600" cy="609599"/>
+          </a:xfrm>
+        </p:spPr>
+        <p:txBody>
+          <a:bodyPr>
+            <a:normAutofit/>
+          </a:bodyPr>
+          <a:lstStyle/>
+          <a:p>
+            <a:pPr algn="ctr">
+              <a:buNone/>
+            </a:pPr>
+            <a:r>
+              <a:rPr lang="en-US" sz="1600" dirty="0" smtClean="0"/>
+              <a:t>This is a file that contains the path of all the directories that have to be included.</a:t>
+            </a:r>
+          </a:p>
+          <a:p>
+            <a:pPr algn="ctr">
+              <a:buNone/>
+            </a:pPr>
+            <a:endParaRPr lang="en-US" sz="1600" dirty="0" smtClean="0"/>
+          </a:p>
+          <a:p>
+            <a:pPr>
+              <a:buNone/>
+            </a:pPr>
+            <a:endParaRPr lang="en-US" sz="1600" dirty="0"/>
+          </a:p>
+        </p:txBody>
+      </p:sp>
+      <p:pic>
+        <p:nvPicPr>
+          <p:cNvPr id="3074" name="Picture 2" descr="D:\Screenshot-13.png"/>
+          <p:cNvPicPr>
+            <a:picLocks noChangeAspect="1" noChangeArrowheads="1"/>
+          </p:cNvPicPr>
+          <p:nvPr/>
+        </p:nvPicPr>
+        <p:blipFill>
+          <a:blip r:embed="rId2" cstate="print"/>
+          <a:srcRect/>
+          <a:stretch>
+            <a:fillRect/>
+          </a:stretch>
+        </p:blipFill>
+        <p:spPr bwMode="auto">
+          <a:xfrm>
+            <a:off x="838200" y="2286000"/>
+            <a:ext cx="3095625" cy="2457450"/>
+          </a:xfrm>
+          <a:prstGeom prst="rect">
+            <a:avLst/>
+          </a:prstGeom>
+          <a:noFill/>
+        </p:spPr>
+      </p:pic>
+    </p:spTree>
+  </p:cSld>
+  <p:clrMapOvr>
+    <a:masterClrMapping/>
+  </p:clrMapOvr>
+  <p:timing>
+    <p:tnLst>
+      <p:par>
+        <p:cTn id="1" dur="indefinite" restart="never" nodeType="tmRoot"/>
+      </p:par>
+    </p:tnLst>
+  </p:timing>
+</p:sld>
+</file>
+
+<file path=ppt/slides/slide2.xml><?xml version="1.0" encoding="utf-8"?>
+<p:sld xmlns:a="http://schemas.openxmlformats.org/drawingml/2006/main" xmlns:r="http://schemas.openxmlformats.org/officeDocument/2006/relationships" xmlns:p="http://schemas.openxmlformats.org/presentationml/2006/main">
+  <p:cSld>
+    <p:spTree>
+      <p:nvGrpSpPr>
+        <p:cNvPr id="1" name=""/>
+        <p:cNvGrpSpPr/>
+        <p:nvPr/>
+      </p:nvGrpSpPr>
+      <p:grpSpPr>
+        <a:xfrm>
+          <a:off x="0" y="0"/>
+          <a:ext cx="0" cy="0"/>
+          <a:chOff x="0" y="0"/>
+          <a:chExt cx="0" cy="0"/>
+        </a:xfrm>
+      </p:grpSpPr>
+      <p:graphicFrame>
+        <p:nvGraphicFramePr>
+          <p:cNvPr id="12" name="Content Placeholder 11"/>
+          <p:cNvGraphicFramePr>
+            <a:graphicFrameLocks noGrp="1"/>
+          </p:cNvGraphicFramePr>
+          <p:nvPr>
+            <p:ph idx="1"/>
+          </p:nvPr>
+        </p:nvGraphicFramePr>
+        <p:xfrm>
+          <a:off x="6477000" y="0"/>
+          <a:ext cx="2667000" cy="2057400"/>
+        </p:xfrm>
+        <a:graphic>
+          <a:graphicData uri="http://schemas.openxmlformats.org/drawingml/2006/diagram">
+            <dgm:relIds xmlns:dgm="http://schemas.openxmlformats.org/drawingml/2006/diagram" xmlns:r="http://schemas.openxmlformats.org/officeDocument/2006/relationships" r:dm="rId2" r:lo="rId3" r:qs="rId4" r:cs="rId5"/>
+          </a:graphicData>
+        </a:graphic>
+      </p:graphicFrame>
+      <p:sp>
+        <p:nvSpPr>
+          <p:cNvPr id="13" name="TextBox 12"/>
+          <p:cNvSpPr txBox="1"/>
+          <p:nvPr/>
+        </p:nvSpPr>
+        <p:spPr>
+          <a:xfrm>
+            <a:off x="2286000" y="381000"/>
+            <a:ext cx="2497928" cy="400110"/>
+          </a:xfrm>
+          <a:prstGeom prst="rect">
+            <a:avLst/>
+          </a:prstGeom>
+          <a:noFill/>
+        </p:spPr>
+        <p:txBody>
+          <a:bodyPr wrap="none" rtlCol="0">
+            <a:spAutoFit/>
+          </a:bodyPr>
+          <a:lstStyle/>
+          <a:p>
+            <a:r>
+              <a:rPr lang="en-US" sz="2000" dirty="0" smtClean="0">
+                <a:latin typeface="+mj-lt"/>
+              </a:rPr>
+              <a:t>INITIAL LEARNING</a:t>
+            </a:r>
+            <a:endParaRPr lang="en-US" sz="2000" dirty="0">
+              <a:latin typeface="+mj-lt"/>
+            </a:endParaRPr>
+          </a:p>
+        </p:txBody>
+      </p:sp>
+      <p:sp>
+        <p:nvSpPr>
+          <p:cNvPr id="11" name="Content Placeholder 2"/>
+          <p:cNvSpPr txBox="1">
+            <a:spLocks/>
+          </p:cNvSpPr>
+          <p:nvPr/>
+        </p:nvSpPr>
+        <p:spPr>
+          <a:xfrm>
+            <a:off x="457200" y="1600200"/>
+            <a:ext cx="8229600" cy="4525963"/>
+          </a:xfrm>
+          <a:prstGeom prst="rect">
+            <a:avLst/>
+          </a:prstGeom>
+        </p:spPr>
+        <p:txBody>
+          <a:bodyPr vert="horz" lIns="91440" tIns="45720" rIns="91440" bIns="45720" rtlCol="0">
+            <a:normAutofit/>
+          </a:bodyPr>
+          <a:lstStyle/>
+          <a:p>
+            <a:pPr marL="342900" marR="0" lvl="0" indent="-342900" algn="l" defTabSz="914400" rtl="0" eaLnBrk="1" fontAlgn="auto" latinLnBrk="0" hangingPunct="1">
+              <a:lnSpc>
+                <a:spcPct val="100000"/>
+              </a:lnSpc>
+              <a:spcBef>
+                <a:spcPct val="20000"/>
+              </a:spcBef>
+              <a:spcAft>
+                <a:spcPts val="0"/>
+              </a:spcAft>
+              <a:buClrTx/>
+              <a:buSzTx/>
+              <a:buFont typeface="Wingdings" pitchFamily="2" charset="2"/>
+              <a:buNone/>
+              <a:tabLst/>
+              <a:defRPr/>
+            </a:pPr>
+            <a:r>
+              <a:rPr kumimoji="1" lang="en-US" b="1" i="0" u="none" strike="noStrike" kern="1200" cap="none" spc="0" normalizeH="0" baseline="0" noProof="0" dirty="0" smtClean="0">
+                <a:ln>
+                  <a:noFill/>
+                </a:ln>
+                <a:solidFill>
+                  <a:schemeClr val="tx1"/>
+                </a:solidFill>
+                <a:effectLst/>
+                <a:uLnTx/>
+                <a:uFillTx/>
+                <a:latin typeface="+mn-lt"/>
+                <a:ea typeface="+mn-ea"/>
+                <a:cs typeface="Arial" pitchFamily="34" charset="0"/>
+              </a:rPr>
+              <a:t>UNIX</a:t>
+            </a:r>
+          </a:p>
+          <a:p>
+            <a:pPr marL="342900" lvl="0" indent="-342900">
+              <a:spcBef>
+                <a:spcPct val="20000"/>
+              </a:spcBef>
+              <a:buFont typeface="Arial" pitchFamily="34" charset="0"/>
+              <a:buChar char="•"/>
+              <a:defRPr/>
+            </a:pPr>
+            <a:r>
+              <a:rPr kumimoji="1" lang="en-US" dirty="0" smtClean="0">
+                <a:cs typeface="Arial" pitchFamily="34" charset="0"/>
+              </a:rPr>
+              <a:t>Basic Unix </a:t>
+            </a:r>
+            <a:r>
+              <a:rPr kumimoji="1" lang="en-US" b="1" dirty="0" smtClean="0">
+                <a:cs typeface="Arial" pitchFamily="34" charset="0"/>
+              </a:rPr>
+              <a:t>Shell Commands .</a:t>
+            </a:r>
+          </a:p>
+          <a:p>
+            <a:pPr marL="342900" lvl="0" indent="-342900">
+              <a:spcBef>
+                <a:spcPct val="20000"/>
+              </a:spcBef>
+              <a:buFont typeface="Arial" pitchFamily="34" charset="0"/>
+              <a:buChar char="•"/>
+              <a:defRPr/>
+            </a:pPr>
+            <a:r>
+              <a:rPr kumimoji="1" lang="en-US" b="1" dirty="0" smtClean="0">
+                <a:cs typeface="Arial" pitchFamily="34" charset="0"/>
+              </a:rPr>
+              <a:t>Makefile</a:t>
+            </a:r>
+            <a:r>
+              <a:rPr kumimoji="1" lang="en-US" dirty="0" smtClean="0">
+                <a:cs typeface="Arial" pitchFamily="34" charset="0"/>
+              </a:rPr>
+              <a:t> </a:t>
+            </a:r>
+            <a:r>
+              <a:rPr kumimoji="1" lang="en-US" dirty="0" smtClean="0">
+                <a:cs typeface="Arial" pitchFamily="34" charset="0"/>
+              </a:rPr>
+              <a:t>Structure: For any </a:t>
+            </a:r>
+            <a:r>
+              <a:rPr kumimoji="1" lang="en-US" dirty="0" smtClean="0">
+                <a:cs typeface="Arial" pitchFamily="34" charset="0"/>
+              </a:rPr>
+              <a:t>kind</a:t>
+            </a:r>
+            <a:endParaRPr kumimoji="1" lang="en-US" b="1" i="0" u="none" strike="noStrike" kern="1200" cap="none" spc="0" normalizeH="0" baseline="0" noProof="0" dirty="0" smtClean="0">
+              <a:ln>
+                <a:noFill/>
+              </a:ln>
+              <a:solidFill>
+                <a:schemeClr val="tx1"/>
+              </a:solidFill>
+              <a:effectLst/>
+              <a:uLnTx/>
+              <a:uFillTx/>
+              <a:latin typeface="+mn-lt"/>
+              <a:ea typeface="+mn-ea"/>
+              <a:cs typeface="Arial" pitchFamily="34" charset="0"/>
+            </a:endParaRPr>
+          </a:p>
+          <a:p>
+            <a:pPr marL="342900" marR="0" lvl="0" indent="-342900" algn="l" defTabSz="914400" rtl="0" eaLnBrk="1" fontAlgn="auto" latinLnBrk="0" hangingPunct="1">
+              <a:lnSpc>
+                <a:spcPct val="100000"/>
+              </a:lnSpc>
+              <a:spcBef>
+                <a:spcPct val="20000"/>
+              </a:spcBef>
+              <a:spcAft>
+                <a:spcPts val="0"/>
+              </a:spcAft>
+              <a:buClrTx/>
+              <a:buSzTx/>
+              <a:buFont typeface="Wingdings" pitchFamily="2" charset="2"/>
+              <a:buNone/>
+              <a:tabLst/>
+              <a:defRPr/>
+            </a:pPr>
+            <a:endParaRPr kumimoji="1" lang="en-US" b="1" dirty="0" smtClean="0">
+              <a:cs typeface="Arial" pitchFamily="34" charset="0"/>
+            </a:endParaRPr>
+          </a:p>
+          <a:p>
+            <a:pPr marL="342900" marR="0" lvl="0" indent="-342900" algn="l" defTabSz="914400" rtl="0" eaLnBrk="1" fontAlgn="auto" latinLnBrk="0" hangingPunct="1">
+              <a:lnSpc>
+                <a:spcPct val="100000"/>
+              </a:lnSpc>
+              <a:spcBef>
+                <a:spcPct val="20000"/>
+              </a:spcBef>
+              <a:spcAft>
+                <a:spcPts val="0"/>
+              </a:spcAft>
+              <a:buClrTx/>
+              <a:buSzTx/>
+              <a:buFont typeface="Wingdings" pitchFamily="2" charset="2"/>
+              <a:buNone/>
+              <a:tabLst/>
+              <a:defRPr/>
+            </a:pPr>
+            <a:r>
+              <a:rPr kumimoji="1" lang="en-US" b="1" dirty="0" smtClean="0">
+                <a:cs typeface="Arial" pitchFamily="34" charset="0"/>
+              </a:rPr>
+              <a:t>PERL</a:t>
+            </a:r>
+            <a:endParaRPr kumimoji="1" lang="en-US" b="1" dirty="0" smtClean="0">
+              <a:cs typeface="Arial" pitchFamily="34" charset="0"/>
+            </a:endParaRPr>
+          </a:p>
+          <a:p>
+            <a:pPr marL="342900" lvl="0" indent="-342900">
+              <a:spcBef>
+                <a:spcPct val="20000"/>
+              </a:spcBef>
+              <a:buFont typeface="Arial" pitchFamily="34" charset="0"/>
+              <a:buChar char="•"/>
+              <a:defRPr/>
+            </a:pPr>
+            <a:r>
+              <a:rPr kumimoji="1" lang="en-US" dirty="0" smtClean="0">
+                <a:cs typeface="Arial" pitchFamily="34" charset="0"/>
+              </a:rPr>
+              <a:t>Basic scripting syntax</a:t>
+            </a:r>
+          </a:p>
+          <a:p>
+            <a:pPr marL="342900" lvl="0" indent="-342900">
+              <a:spcBef>
+                <a:spcPct val="20000"/>
+              </a:spcBef>
+              <a:buFont typeface="Arial" pitchFamily="34" charset="0"/>
+              <a:buChar char="•"/>
+              <a:defRPr/>
+            </a:pPr>
+            <a:r>
+              <a:rPr kumimoji="1" lang="en-US" dirty="0" smtClean="0">
+                <a:cs typeface="Arial" pitchFamily="34" charset="0"/>
+              </a:rPr>
+              <a:t>Date and time  </a:t>
+            </a:r>
+            <a:endParaRPr kumimoji="1" lang="en-US" dirty="0" smtClean="0">
+              <a:cs typeface="Arial" pitchFamily="34" charset="0"/>
+            </a:endParaRPr>
+          </a:p>
+          <a:p>
+            <a:pPr marL="342900" lvl="0" indent="-342900">
+              <a:spcBef>
+                <a:spcPct val="20000"/>
+              </a:spcBef>
+              <a:buFont typeface="Arial" pitchFamily="34" charset="0"/>
+              <a:buChar char="•"/>
+              <a:defRPr/>
+            </a:pPr>
+            <a:r>
+              <a:rPr kumimoji="1" lang="en-US" dirty="0" smtClean="0">
+                <a:cs typeface="Arial" pitchFamily="34" charset="0"/>
+              </a:rPr>
+              <a:t>Error handling, file and excel operations</a:t>
+            </a:r>
+          </a:p>
+          <a:p>
+            <a:pPr marL="342900" marR="0" lvl="0" indent="-342900" algn="l" defTabSz="914400" rtl="0" eaLnBrk="1" fontAlgn="auto" latinLnBrk="0" hangingPunct="1">
+              <a:lnSpc>
+                <a:spcPct val="100000"/>
+              </a:lnSpc>
+              <a:spcBef>
+                <a:spcPct val="20000"/>
+              </a:spcBef>
+              <a:spcAft>
+                <a:spcPts val="0"/>
+              </a:spcAft>
+              <a:buClrTx/>
+              <a:buSzTx/>
+              <a:buFont typeface="Wingdings" pitchFamily="2" charset="2"/>
+              <a:buNone/>
+              <a:tabLst/>
+              <a:defRPr/>
+            </a:pPr>
+            <a:endParaRPr kumimoji="1" lang="en-US" b="1" i="0" u="none" strike="noStrike" kern="1200" cap="none" spc="0" normalizeH="0" baseline="0" noProof="0" dirty="0" smtClean="0">
+              <a:ln>
+                <a:noFill/>
+              </a:ln>
+              <a:solidFill>
+                <a:schemeClr val="tx1"/>
+              </a:solidFill>
+              <a:effectLst/>
+              <a:uLnTx/>
+              <a:uFillTx/>
+              <a:latin typeface="+mn-lt"/>
+              <a:ea typeface="+mn-ea"/>
+              <a:cs typeface="Arial" pitchFamily="34" charset="0"/>
+            </a:endParaRPr>
+          </a:p>
+          <a:p>
+            <a:pPr marL="342900" marR="0" lvl="0" indent="-342900" algn="l" defTabSz="914400" rtl="0" eaLnBrk="1" fontAlgn="auto" latinLnBrk="0" hangingPunct="1">
+              <a:lnSpc>
+                <a:spcPct val="100000"/>
+              </a:lnSpc>
+              <a:spcBef>
+                <a:spcPct val="20000"/>
+              </a:spcBef>
+              <a:spcAft>
+                <a:spcPts val="0"/>
+              </a:spcAft>
+              <a:buClrTx/>
+              <a:buSzTx/>
+              <a:buFont typeface="Wingdings" pitchFamily="2" charset="2"/>
+              <a:buNone/>
+              <a:tabLst/>
+              <a:defRPr/>
+            </a:pPr>
+            <a:r>
+              <a:rPr kumimoji="1" lang="en-US" b="1" dirty="0" smtClean="0">
+                <a:cs typeface="Arial" pitchFamily="34" charset="0"/>
+              </a:rPr>
+              <a:t>VHDL</a:t>
+            </a:r>
+          </a:p>
+          <a:p>
+            <a:pPr marL="342900" lvl="0" indent="-342900">
+              <a:spcBef>
+                <a:spcPct val="20000"/>
+              </a:spcBef>
+              <a:buFont typeface="Arial" pitchFamily="34" charset="0"/>
+              <a:buChar char="•"/>
+              <a:defRPr/>
+            </a:pPr>
+            <a:r>
+              <a:rPr kumimoji="1" lang="en-US" dirty="0" smtClean="0">
+                <a:cs typeface="Arial" pitchFamily="34" charset="0"/>
+              </a:rPr>
+              <a:t>Code structure of  VHDL , data types , operators and attributes</a:t>
+            </a:r>
+          </a:p>
+          <a:p>
+            <a:pPr marL="342900" lvl="0" indent="-342900">
+              <a:spcBef>
+                <a:spcPct val="20000"/>
+              </a:spcBef>
+              <a:buFont typeface="Arial" pitchFamily="34" charset="0"/>
+              <a:buChar char="•"/>
+              <a:defRPr/>
+            </a:pPr>
+            <a:r>
+              <a:rPr kumimoji="1" lang="en-US" dirty="0" smtClean="0">
+                <a:cs typeface="Arial" pitchFamily="34" charset="0"/>
+              </a:rPr>
+              <a:t>Sequential and Concurrent code. Functions and Packages.</a:t>
+            </a:r>
+          </a:p>
+          <a:p>
+            <a:pPr marL="342900" lvl="0" indent="-342900">
+              <a:spcBef>
+                <a:spcPct val="20000"/>
+              </a:spcBef>
+              <a:buFont typeface="Arial" pitchFamily="34" charset="0"/>
+              <a:buChar char="•"/>
+              <a:defRPr/>
+            </a:pPr>
+            <a:r>
+              <a:rPr kumimoji="1" lang="en-US" dirty="0" smtClean="0">
+                <a:cs typeface="Arial" pitchFamily="34" charset="0"/>
+              </a:rPr>
+              <a:t>Examples and Counter design</a:t>
+            </a:r>
+            <a:r>
+              <a:rPr kumimoji="1" lang="en-US" dirty="0" smtClean="0">
+                <a:cs typeface="Arial" pitchFamily="34" charset="0"/>
+              </a:rPr>
+              <a:t>.</a:t>
+            </a:r>
+            <a:endParaRPr kumimoji="1" lang="en-US" dirty="0" smtClean="0">
+              <a:cs typeface="Arial" pitchFamily="34" charset="0"/>
+            </a:endParaRPr>
+          </a:p>
+        </p:txBody>
+      </p:sp>
+    </p:spTree>
+  </p:cSld>
+  <p:clrMapOvr>
+    <a:masterClrMapping/>
+  </p:clrMapOvr>
+  <p:timing>
+    <p:tnLst>
+      <p:par>
+        <p:cTn id="1" dur="indefinite" restart="never" nodeType="tmRoot"/>
+      </p:par>
+    </p:tnLst>
+  </p:timing>
+</p:sld>
+</file>
+
+<file path=ppt/slides/slide20.xml><?xml version="1.0" encoding="utf-8"?>
+<p:sld xmlns:a="http://schemas.openxmlformats.org/drawingml/2006/main" xmlns:r="http://schemas.openxmlformats.org/officeDocument/2006/relationships" xmlns:p="http://schemas.openxmlformats.org/presentationml/2006/main">
+  <p:cSld>
+    <p:spTree>
+      <p:nvGrpSpPr>
+        <p:cNvPr id="1" name=""/>
+        <p:cNvGrpSpPr/>
+        <p:nvPr/>
+      </p:nvGrpSpPr>
+      <p:grpSpPr>
+        <a:xfrm>
+          <a:off x="0" y="0"/>
+          <a:ext cx="0" cy="0"/>
+          <a:chOff x="0" y="0"/>
+          <a:chExt cx="0" cy="0"/>
+        </a:xfrm>
+      </p:grpSpPr>
+      <p:sp>
+        <p:nvSpPr>
+          <p:cNvPr id="2" name="Title 1"/>
+          <p:cNvSpPr>
+            <a:spLocks noGrp="1"/>
+          </p:cNvSpPr>
+          <p:nvPr>
+            <p:ph type="title"/>
+          </p:nvPr>
+        </p:nvSpPr>
+        <p:spPr/>
+        <p:txBody>
+          <a:bodyPr/>
+          <a:lstStyle/>
+          <a:p>
+            <a:r>
+              <a:rPr lang="en-US" dirty="0" smtClean="0"/>
+              <a:t>TB LIST</a:t>
+            </a:r>
+            <a:endParaRPr lang="en-US" dirty="0"/>
+          </a:p>
+        </p:txBody>
+      </p:sp>
+      <p:sp>
+        <p:nvSpPr>
+          <p:cNvPr id="3" name="Content Placeholder 2"/>
+          <p:cNvSpPr>
+            <a:spLocks noGrp="1"/>
+          </p:cNvSpPr>
+          <p:nvPr>
+            <p:ph idx="1"/>
+          </p:nvPr>
+        </p:nvSpPr>
+        <p:spPr>
+          <a:xfrm>
+            <a:off x="457200" y="1600201"/>
+            <a:ext cx="8229600" cy="838199"/>
+          </a:xfrm>
+        </p:spPr>
+        <p:txBody>
+          <a:bodyPr>
+            <a:normAutofit/>
+          </a:bodyPr>
+          <a:lstStyle/>
+          <a:p>
+            <a:pPr>
+              <a:buNone/>
+            </a:pPr>
+            <a:r>
+              <a:rPr lang="en-US" sz="1600" dirty="0" smtClean="0"/>
+              <a:t>This contains the list of all the SystemVerilog codes to be used. This file looks like the following:</a:t>
+            </a:r>
+            <a:endParaRPr lang="en-US" sz="1600" dirty="0"/>
+          </a:p>
+        </p:txBody>
+      </p:sp>
+      <p:pic>
+        <p:nvPicPr>
+          <p:cNvPr id="4098" name="Picture 2" descr="D:\Screenshot-15.png"/>
+          <p:cNvPicPr>
+            <a:picLocks noChangeAspect="1" noChangeArrowheads="1"/>
+          </p:cNvPicPr>
+          <p:nvPr/>
+        </p:nvPicPr>
+        <p:blipFill>
+          <a:blip r:embed="rId2" cstate="print"/>
+          <a:srcRect/>
+          <a:stretch>
+            <a:fillRect/>
+          </a:stretch>
+        </p:blipFill>
+        <p:spPr bwMode="auto">
+          <a:xfrm>
+            <a:off x="609600" y="2438400"/>
+            <a:ext cx="4876800" cy="1824217"/>
+          </a:xfrm>
+          <a:prstGeom prst="rect">
+            <a:avLst/>
+          </a:prstGeom>
+          <a:noFill/>
+        </p:spPr>
+      </p:pic>
+    </p:spTree>
+  </p:cSld>
+  <p:clrMapOvr>
+    <a:masterClrMapping/>
+  </p:clrMapOvr>
+  <p:timing>
+    <p:tnLst>
+      <p:par>
+        <p:cTn id="1" dur="indefinite" restart="never" nodeType="tmRoot"/>
+      </p:par>
+    </p:tnLst>
+  </p:timing>
+</p:sld>
+</file>
+
+<file path=ppt/slides/slide21.xml><?xml version="1.0" encoding="utf-8"?>
 <p:sld xmlns:a="http://schemas.openxmlformats.org/drawingml/2006/main" xmlns:r="http://schemas.openxmlformats.org/officeDocument/2006/relationships" xmlns:p="http://schemas.openxmlformats.org/presentationml/2006/main">
   <p:cSld>
     <p:spTree>
@@ -8473,7 +11478,7 @@
 </p:sld>
 </file>
 
-<file path=ppt/slides/slide16.xml><?xml version="1.0" encoding="utf-8"?>
+<file path=ppt/slides/slide22.xml><?xml version="1.0" encoding="utf-8"?>
 <p:sld xmlns:a="http://schemas.openxmlformats.org/drawingml/2006/main" xmlns:r="http://schemas.openxmlformats.org/officeDocument/2006/relationships" xmlns:p="http://schemas.openxmlformats.org/presentationml/2006/main">
   <p:cSld>
     <p:spTree>
@@ -8650,7 +11655,7 @@
 </p:sld>
 </file>
 
-<file path=ppt/slides/slide17.xml><?xml version="1.0" encoding="utf-8"?>
+<file path=ppt/slides/slide23.xml><?xml version="1.0" encoding="utf-8"?>
 <p:sld xmlns:a="http://schemas.openxmlformats.org/drawingml/2006/main" xmlns:r="http://schemas.openxmlformats.org/officeDocument/2006/relationships" xmlns:p="http://schemas.openxmlformats.org/presentationml/2006/main">
   <p:cSld>
     <p:spTree>
@@ -9231,7 +12236,7 @@
 </p:sld>
 </file>
 
-<file path=ppt/slides/slide18.xml><?xml version="1.0" encoding="utf-8"?>
+<file path=ppt/slides/slide24.xml><?xml version="1.0" encoding="utf-8"?>
 <p:sld xmlns:a="http://schemas.openxmlformats.org/drawingml/2006/main" xmlns:r="http://schemas.openxmlformats.org/officeDocument/2006/relationships" xmlns:p="http://schemas.openxmlformats.org/presentationml/2006/main">
   <p:cSld>
     <p:spTree>
@@ -9397,7 +12402,7 @@
 </p:sld>
 </file>
 
-<file path=ppt/slides/slide19.xml><?xml version="1.0" encoding="utf-8"?>
+<file path=ppt/slides/slide25.xml><?xml version="1.0" encoding="utf-8"?>
 <p:sld xmlns:a="http://schemas.openxmlformats.org/drawingml/2006/main" xmlns:r="http://schemas.openxmlformats.org/officeDocument/2006/relationships" xmlns:p="http://schemas.openxmlformats.org/presentationml/2006/main">
   <p:cSld>
     <p:spTree>
@@ -9777,439 +12782,7 @@
 </p:sld>
 </file>
 
-<file path=ppt/slides/slide2.xml><?xml version="1.0" encoding="utf-8"?>
-<p:sld xmlns:a="http://schemas.openxmlformats.org/drawingml/2006/main" xmlns:r="http://schemas.openxmlformats.org/officeDocument/2006/relationships" xmlns:p="http://schemas.openxmlformats.org/presentationml/2006/main">
-  <p:cSld>
-    <p:spTree>
-      <p:nvGrpSpPr>
-        <p:cNvPr id="1" name=""/>
-        <p:cNvGrpSpPr/>
-        <p:nvPr/>
-      </p:nvGrpSpPr>
-      <p:grpSpPr>
-        <a:xfrm>
-          <a:off x="0" y="0"/>
-          <a:ext cx="0" cy="0"/>
-          <a:chOff x="0" y="0"/>
-          <a:chExt cx="0" cy="0"/>
-        </a:xfrm>
-      </p:grpSpPr>
-      <p:graphicFrame>
-        <p:nvGraphicFramePr>
-          <p:cNvPr id="12" name="Content Placeholder 11"/>
-          <p:cNvGraphicFramePr>
-            <a:graphicFrameLocks noGrp="1"/>
-          </p:cNvGraphicFramePr>
-          <p:nvPr>
-            <p:ph idx="1"/>
-          </p:nvPr>
-        </p:nvGraphicFramePr>
-        <p:xfrm>
-          <a:off x="6477000" y="0"/>
-          <a:ext cx="2667000" cy="2057400"/>
-        </p:xfrm>
-        <a:graphic>
-          <a:graphicData uri="http://schemas.openxmlformats.org/drawingml/2006/diagram">
-            <dgm:relIds xmlns:dgm="http://schemas.openxmlformats.org/drawingml/2006/diagram" xmlns:r="http://schemas.openxmlformats.org/officeDocument/2006/relationships" r:dm="rId2" r:lo="rId3" r:qs="rId4" r:cs="rId5"/>
-          </a:graphicData>
-        </a:graphic>
-      </p:graphicFrame>
-      <p:sp>
-        <p:nvSpPr>
-          <p:cNvPr id="13" name="TextBox 12"/>
-          <p:cNvSpPr txBox="1"/>
-          <p:nvPr/>
-        </p:nvSpPr>
-        <p:spPr>
-          <a:xfrm>
-            <a:off x="2286000" y="381000"/>
-            <a:ext cx="2497928" cy="400110"/>
-          </a:xfrm>
-          <a:prstGeom prst="rect">
-            <a:avLst/>
-          </a:prstGeom>
-          <a:noFill/>
-        </p:spPr>
-        <p:txBody>
-          <a:bodyPr wrap="none" rtlCol="0">
-            <a:spAutoFit/>
-          </a:bodyPr>
-          <a:lstStyle/>
-          <a:p>
-            <a:r>
-              <a:rPr lang="en-US" sz="2000" dirty="0" smtClean="0">
-                <a:latin typeface="+mj-lt"/>
-              </a:rPr>
-              <a:t>INITIAL LEARNING</a:t>
-            </a:r>
-            <a:endParaRPr lang="en-US" sz="2000" dirty="0">
-              <a:latin typeface="+mj-lt"/>
-            </a:endParaRPr>
-          </a:p>
-        </p:txBody>
-      </p:sp>
-      <p:sp>
-        <p:nvSpPr>
-          <p:cNvPr id="11" name="Content Placeholder 2"/>
-          <p:cNvSpPr txBox="1">
-            <a:spLocks/>
-          </p:cNvSpPr>
-          <p:nvPr/>
-        </p:nvSpPr>
-        <p:spPr>
-          <a:xfrm>
-            <a:off x="457200" y="1600200"/>
-            <a:ext cx="8229600" cy="4525963"/>
-          </a:xfrm>
-          <a:prstGeom prst="rect">
-            <a:avLst/>
-          </a:prstGeom>
-        </p:spPr>
-        <p:txBody>
-          <a:bodyPr vert="horz" lIns="91440" tIns="45720" rIns="91440" bIns="45720" rtlCol="0">
-            <a:normAutofit/>
-          </a:bodyPr>
-          <a:lstStyle/>
-          <a:p>
-            <a:pPr marL="342900" marR="0" lvl="0" indent="-342900" algn="l" defTabSz="914400" rtl="0" eaLnBrk="1" fontAlgn="auto" latinLnBrk="0" hangingPunct="1">
-              <a:lnSpc>
-                <a:spcPct val="100000"/>
-              </a:lnSpc>
-              <a:spcBef>
-                <a:spcPct val="20000"/>
-              </a:spcBef>
-              <a:spcAft>
-                <a:spcPts val="0"/>
-              </a:spcAft>
-              <a:buClrTx/>
-              <a:buSzTx/>
-              <a:buFont typeface="Wingdings" pitchFamily="2" charset="2"/>
-              <a:buNone/>
-              <a:tabLst/>
-              <a:defRPr/>
-            </a:pPr>
-            <a:r>
-              <a:rPr kumimoji="1" lang="en-US" b="1" i="0" u="none" strike="noStrike" kern="1200" cap="none" spc="0" normalizeH="0" baseline="0" noProof="0" dirty="0" smtClean="0">
-                <a:ln>
-                  <a:noFill/>
-                </a:ln>
-                <a:solidFill>
-                  <a:schemeClr val="tx1"/>
-                </a:solidFill>
-                <a:effectLst/>
-                <a:uLnTx/>
-                <a:uFillTx/>
-                <a:latin typeface="+mn-lt"/>
-                <a:ea typeface="+mn-ea"/>
-                <a:cs typeface="Arial" pitchFamily="34" charset="0"/>
-              </a:rPr>
-              <a:t>UNIX</a:t>
-            </a:r>
-          </a:p>
-          <a:p>
-            <a:pPr marL="342900" lvl="0" indent="-342900">
-              <a:spcBef>
-                <a:spcPct val="20000"/>
-              </a:spcBef>
-              <a:buFont typeface="Arial" pitchFamily="34" charset="0"/>
-              <a:buChar char="•"/>
-              <a:defRPr/>
-            </a:pPr>
-            <a:r>
-              <a:rPr kumimoji="1" lang="en-US" dirty="0" smtClean="0">
-                <a:cs typeface="Arial" pitchFamily="34" charset="0"/>
-              </a:rPr>
-              <a:t>Basic Unix </a:t>
-            </a:r>
-            <a:r>
-              <a:rPr kumimoji="1" lang="en-US" b="1" dirty="0" smtClean="0">
-                <a:cs typeface="Arial" pitchFamily="34" charset="0"/>
-              </a:rPr>
-              <a:t>Shell Commands .</a:t>
-            </a:r>
-          </a:p>
-          <a:p>
-            <a:pPr marL="342900" lvl="0" indent="-342900">
-              <a:spcBef>
-                <a:spcPct val="20000"/>
-              </a:spcBef>
-              <a:buFont typeface="Arial" pitchFamily="34" charset="0"/>
-              <a:buChar char="•"/>
-              <a:defRPr/>
-            </a:pPr>
-            <a:r>
-              <a:rPr kumimoji="1" lang="en-US" b="1" dirty="0" smtClean="0">
-                <a:cs typeface="Arial" pitchFamily="34" charset="0"/>
-              </a:rPr>
-              <a:t>Makefile</a:t>
-            </a:r>
-            <a:r>
-              <a:rPr kumimoji="1" lang="en-US" dirty="0" smtClean="0">
-                <a:cs typeface="Arial" pitchFamily="34" charset="0"/>
-              </a:rPr>
-              <a:t> </a:t>
-            </a:r>
-            <a:r>
-              <a:rPr kumimoji="1" lang="en-US" dirty="0" smtClean="0">
-                <a:cs typeface="Arial" pitchFamily="34" charset="0"/>
-              </a:rPr>
-              <a:t>Structure: For any </a:t>
-            </a:r>
-            <a:r>
-              <a:rPr kumimoji="1" lang="en-US" dirty="0" smtClean="0">
-                <a:cs typeface="Arial" pitchFamily="34" charset="0"/>
-              </a:rPr>
-              <a:t>kind</a:t>
-            </a:r>
-            <a:endParaRPr kumimoji="1" lang="en-US" b="1" i="0" u="none" strike="noStrike" kern="1200" cap="none" spc="0" normalizeH="0" baseline="0" noProof="0" dirty="0" smtClean="0">
-              <a:ln>
-                <a:noFill/>
-              </a:ln>
-              <a:solidFill>
-                <a:schemeClr val="tx1"/>
-              </a:solidFill>
-              <a:effectLst/>
-              <a:uLnTx/>
-              <a:uFillTx/>
-              <a:latin typeface="+mn-lt"/>
-              <a:ea typeface="+mn-ea"/>
-              <a:cs typeface="Arial" pitchFamily="34" charset="0"/>
-            </a:endParaRPr>
-          </a:p>
-          <a:p>
-            <a:pPr marL="342900" marR="0" lvl="0" indent="-342900" algn="l" defTabSz="914400" rtl="0" eaLnBrk="1" fontAlgn="auto" latinLnBrk="0" hangingPunct="1">
-              <a:lnSpc>
-                <a:spcPct val="100000"/>
-              </a:lnSpc>
-              <a:spcBef>
-                <a:spcPct val="20000"/>
-              </a:spcBef>
-              <a:spcAft>
-                <a:spcPts val="0"/>
-              </a:spcAft>
-              <a:buClrTx/>
-              <a:buSzTx/>
-              <a:buFont typeface="Wingdings" pitchFamily="2" charset="2"/>
-              <a:buNone/>
-              <a:tabLst/>
-              <a:defRPr/>
-            </a:pPr>
-            <a:endParaRPr kumimoji="1" lang="en-US" b="1" dirty="0" smtClean="0">
-              <a:cs typeface="Arial" pitchFamily="34" charset="0"/>
-            </a:endParaRPr>
-          </a:p>
-          <a:p>
-            <a:pPr marL="342900" marR="0" lvl="0" indent="-342900" algn="l" defTabSz="914400" rtl="0" eaLnBrk="1" fontAlgn="auto" latinLnBrk="0" hangingPunct="1">
-              <a:lnSpc>
-                <a:spcPct val="100000"/>
-              </a:lnSpc>
-              <a:spcBef>
-                <a:spcPct val="20000"/>
-              </a:spcBef>
-              <a:spcAft>
-                <a:spcPts val="0"/>
-              </a:spcAft>
-              <a:buClrTx/>
-              <a:buSzTx/>
-              <a:buFont typeface="Wingdings" pitchFamily="2" charset="2"/>
-              <a:buNone/>
-              <a:tabLst/>
-              <a:defRPr/>
-            </a:pPr>
-            <a:r>
-              <a:rPr kumimoji="1" lang="en-US" b="1" dirty="0" smtClean="0">
-                <a:cs typeface="Arial" pitchFamily="34" charset="0"/>
-              </a:rPr>
-              <a:t>PERL</a:t>
-            </a:r>
-            <a:endParaRPr kumimoji="1" lang="en-US" b="1" dirty="0" smtClean="0">
-              <a:cs typeface="Arial" pitchFamily="34" charset="0"/>
-            </a:endParaRPr>
-          </a:p>
-          <a:p>
-            <a:pPr marL="342900" lvl="0" indent="-342900">
-              <a:spcBef>
-                <a:spcPct val="20000"/>
-              </a:spcBef>
-              <a:buFont typeface="Arial" pitchFamily="34" charset="0"/>
-              <a:buChar char="•"/>
-              <a:defRPr/>
-            </a:pPr>
-            <a:r>
-              <a:rPr kumimoji="1" lang="en-US" dirty="0" smtClean="0">
-                <a:cs typeface="Arial" pitchFamily="34" charset="0"/>
-              </a:rPr>
-              <a:t>Basic scripting syntax</a:t>
-            </a:r>
-          </a:p>
-          <a:p>
-            <a:pPr marL="342900" lvl="0" indent="-342900">
-              <a:spcBef>
-                <a:spcPct val="20000"/>
-              </a:spcBef>
-              <a:buFont typeface="Arial" pitchFamily="34" charset="0"/>
-              <a:buChar char="•"/>
-              <a:defRPr/>
-            </a:pPr>
-            <a:r>
-              <a:rPr kumimoji="1" lang="en-US" dirty="0" smtClean="0">
-                <a:cs typeface="Arial" pitchFamily="34" charset="0"/>
-              </a:rPr>
-              <a:t>Date and time  </a:t>
-            </a:r>
-            <a:endParaRPr kumimoji="1" lang="en-US" dirty="0" smtClean="0">
-              <a:cs typeface="Arial" pitchFamily="34" charset="0"/>
-            </a:endParaRPr>
-          </a:p>
-          <a:p>
-            <a:pPr marL="342900" lvl="0" indent="-342900">
-              <a:spcBef>
-                <a:spcPct val="20000"/>
-              </a:spcBef>
-              <a:buFont typeface="Arial" pitchFamily="34" charset="0"/>
-              <a:buChar char="•"/>
-              <a:defRPr/>
-            </a:pPr>
-            <a:r>
-              <a:rPr kumimoji="1" lang="en-US" dirty="0" smtClean="0">
-                <a:cs typeface="Arial" pitchFamily="34" charset="0"/>
-              </a:rPr>
-              <a:t>Error handling, file and excel operations</a:t>
-            </a:r>
-          </a:p>
-          <a:p>
-            <a:pPr marL="342900" marR="0" lvl="0" indent="-342900" algn="l" defTabSz="914400" rtl="0" eaLnBrk="1" fontAlgn="auto" latinLnBrk="0" hangingPunct="1">
-              <a:lnSpc>
-                <a:spcPct val="100000"/>
-              </a:lnSpc>
-              <a:spcBef>
-                <a:spcPct val="20000"/>
-              </a:spcBef>
-              <a:spcAft>
-                <a:spcPts val="0"/>
-              </a:spcAft>
-              <a:buClrTx/>
-              <a:buSzTx/>
-              <a:buFont typeface="Wingdings" pitchFamily="2" charset="2"/>
-              <a:buNone/>
-              <a:tabLst/>
-              <a:defRPr/>
-            </a:pPr>
-            <a:endParaRPr kumimoji="1" lang="en-US" b="1" i="0" u="none" strike="noStrike" kern="1200" cap="none" spc="0" normalizeH="0" baseline="0" noProof="0" dirty="0" smtClean="0">
-              <a:ln>
-                <a:noFill/>
-              </a:ln>
-              <a:solidFill>
-                <a:schemeClr val="tx1"/>
-              </a:solidFill>
-              <a:effectLst/>
-              <a:uLnTx/>
-              <a:uFillTx/>
-              <a:latin typeface="+mn-lt"/>
-              <a:ea typeface="+mn-ea"/>
-              <a:cs typeface="Arial" pitchFamily="34" charset="0"/>
-            </a:endParaRPr>
-          </a:p>
-          <a:p>
-            <a:pPr marL="342900" marR="0" lvl="0" indent="-342900" algn="l" defTabSz="914400" rtl="0" eaLnBrk="1" fontAlgn="auto" latinLnBrk="0" hangingPunct="1">
-              <a:lnSpc>
-                <a:spcPct val="100000"/>
-              </a:lnSpc>
-              <a:spcBef>
-                <a:spcPct val="20000"/>
-              </a:spcBef>
-              <a:spcAft>
-                <a:spcPts val="0"/>
-              </a:spcAft>
-              <a:buClrTx/>
-              <a:buSzTx/>
-              <a:buFont typeface="Wingdings" pitchFamily="2" charset="2"/>
-              <a:buNone/>
-              <a:tabLst/>
-              <a:defRPr/>
-            </a:pPr>
-            <a:r>
-              <a:rPr kumimoji="1" lang="en-US" b="1" dirty="0" smtClean="0">
-                <a:cs typeface="Arial" pitchFamily="34" charset="0"/>
-              </a:rPr>
-              <a:t>VHDL</a:t>
-            </a:r>
-          </a:p>
-          <a:p>
-            <a:pPr marL="342900" lvl="0" indent="-342900">
-              <a:spcBef>
-                <a:spcPct val="20000"/>
-              </a:spcBef>
-              <a:buFont typeface="Arial" pitchFamily="34" charset="0"/>
-              <a:buChar char="•"/>
-              <a:defRPr/>
-            </a:pPr>
-            <a:r>
-              <a:rPr kumimoji="1" lang="en-US" dirty="0" smtClean="0">
-                <a:cs typeface="Arial" pitchFamily="34" charset="0"/>
-              </a:rPr>
-              <a:t>Code structure of  VHDL , data types , operators and attributes</a:t>
-            </a:r>
-          </a:p>
-          <a:p>
-            <a:pPr marL="342900" lvl="0" indent="-342900">
-              <a:spcBef>
-                <a:spcPct val="20000"/>
-              </a:spcBef>
-              <a:buFont typeface="Arial" pitchFamily="34" charset="0"/>
-              <a:buChar char="•"/>
-              <a:defRPr/>
-            </a:pPr>
-            <a:r>
-              <a:rPr kumimoji="1" lang="en-US" dirty="0" smtClean="0">
-                <a:cs typeface="Arial" pitchFamily="34" charset="0"/>
-              </a:rPr>
-              <a:t>Sequential and Concurrent code. Functions and Packages.</a:t>
-            </a:r>
-          </a:p>
-          <a:p>
-            <a:pPr marL="342900" lvl="0" indent="-342900">
-              <a:spcBef>
-                <a:spcPct val="20000"/>
-              </a:spcBef>
-              <a:buFont typeface="Arial" pitchFamily="34" charset="0"/>
-              <a:buChar char="•"/>
-              <a:defRPr/>
-            </a:pPr>
-            <a:r>
-              <a:rPr kumimoji="1" lang="en-US" dirty="0" smtClean="0">
-                <a:cs typeface="Arial" pitchFamily="34" charset="0"/>
-              </a:rPr>
-              <a:t>Examples and Counter design</a:t>
-            </a:r>
-            <a:r>
-              <a:rPr kumimoji="1" lang="en-US" dirty="0" smtClean="0">
-                <a:cs typeface="Arial" pitchFamily="34" charset="0"/>
-              </a:rPr>
-              <a:t>.</a:t>
-            </a:r>
-            <a:endParaRPr kumimoji="1" lang="en-US" dirty="0" smtClean="0">
-              <a:cs typeface="Arial" pitchFamily="34" charset="0"/>
-            </a:endParaRPr>
-          </a:p>
-        </p:txBody>
-      </p:sp>
-    </p:spTree>
-  </p:cSld>
-  <p:clrMapOvr>
-    <a:masterClrMapping/>
-  </p:clrMapOvr>
-  <p:timing>
-    <p:tnLst>
-      <p:par>
-        <p:cTn id="1" dur="indefinite" restart="never" nodeType="tmRoot"/>
-      </p:par>
-    </p:tnLst>
-  </p:timing>
-</p:sld>
-</file>
-
-<file path=ppt/slides/slide20.xml><?xml version="1.0" encoding="utf-8"?>
+<file path=ppt/slides/slide26.xml><?xml version="1.0" encoding="utf-8"?>
 <p:sld xmlns:a="http://schemas.openxmlformats.org/drawingml/2006/main" xmlns:r="http://schemas.openxmlformats.org/officeDocument/2006/relationships" xmlns:p="http://schemas.openxmlformats.org/presentationml/2006/main">
   <p:cSld>
     <p:spTree>
@@ -10432,7 +13005,7 @@
 </p:sld>
 </file>
 
-<file path=ppt/slides/slide21.xml><?xml version="1.0" encoding="utf-8"?>
+<file path=ppt/slides/slide27.xml><?xml version="1.0" encoding="utf-8"?>
 <p:sld xmlns:a="http://schemas.openxmlformats.org/drawingml/2006/main" xmlns:r="http://schemas.openxmlformats.org/officeDocument/2006/relationships" xmlns:p="http://schemas.openxmlformats.org/presentationml/2006/main">
   <p:cSld>
     <p:spTree>
@@ -10609,6 +13182,13 @@
   <p:clrMapOvr>
     <a:masterClrMapping/>
   </p:clrMapOvr>
+  <p:timing>
+    <p:tnLst>
+      <p:par>
+        <p:cTn id="1" dur="indefinite" restart="never" nodeType="tmRoot"/>
+      </p:par>
+    </p:tnLst>
+  </p:timing>
 </p:sld>
 </file>
 
@@ -11416,7 +13996,7 @@
                 <a:latin typeface="Arial" pitchFamily="34" charset="0"/>
                 <a:cs typeface="Arial" pitchFamily="34" charset="0"/>
               </a:rPr>
-              <a:t>Bold represents the options which were working</a:t>
+              <a:t>Bold represents the options which were working at that time</a:t>
             </a:r>
           </a:p>
           <a:p>
